--- a/presentation/Lecture 1 Deep learning/DL Presentation.pptx
+++ b/presentation/Lecture 1 Deep learning/DL Presentation.pptx
@@ -5,66 +5,74 @@
     <p:sldMasterId id="2147483648" r:id="rId1"/>
   </p:sldMasterIdLst>
   <p:sldIdLst>
-    <p:sldId id="256" r:id="rId2"/>
-    <p:sldId id="257" r:id="rId3"/>
-    <p:sldId id="258" r:id="rId4"/>
-    <p:sldId id="259" r:id="rId5"/>
-    <p:sldId id="260" r:id="rId6"/>
-    <p:sldId id="261" r:id="rId7"/>
-    <p:sldId id="262" r:id="rId8"/>
-    <p:sldId id="277" r:id="rId9"/>
-    <p:sldId id="280" r:id="rId10"/>
-    <p:sldId id="278" r:id="rId11"/>
-    <p:sldId id="279" r:id="rId12"/>
-    <p:sldId id="281" r:id="rId13"/>
-    <p:sldId id="264" r:id="rId14"/>
-    <p:sldId id="265" r:id="rId15"/>
-    <p:sldId id="282" r:id="rId16"/>
-    <p:sldId id="266" r:id="rId17"/>
-    <p:sldId id="283" r:id="rId18"/>
-    <p:sldId id="267" r:id="rId19"/>
-    <p:sldId id="268" r:id="rId20"/>
-    <p:sldId id="284" r:id="rId21"/>
-    <p:sldId id="286" r:id="rId22"/>
-    <p:sldId id="287" r:id="rId23"/>
-    <p:sldId id="269" r:id="rId24"/>
-    <p:sldId id="288" r:id="rId25"/>
-    <p:sldId id="289" r:id="rId26"/>
-    <p:sldId id="270" r:id="rId27"/>
-    <p:sldId id="290" r:id="rId28"/>
-    <p:sldId id="271" r:id="rId29"/>
-    <p:sldId id="272" r:id="rId30"/>
-    <p:sldId id="273" r:id="rId31"/>
-    <p:sldId id="291" r:id="rId32"/>
-    <p:sldId id="274" r:id="rId33"/>
-    <p:sldId id="275" r:id="rId34"/>
-    <p:sldId id="292" r:id="rId35"/>
-    <p:sldId id="293" r:id="rId36"/>
-    <p:sldId id="294" r:id="rId37"/>
-    <p:sldId id="276" r:id="rId38"/>
-    <p:sldId id="296" r:id="rId39"/>
-    <p:sldId id="297" r:id="rId40"/>
-    <p:sldId id="295" r:id="rId41"/>
-    <p:sldId id="298" r:id="rId42"/>
-    <p:sldId id="299" r:id="rId43"/>
-    <p:sldId id="300" r:id="rId44"/>
-    <p:sldId id="301" r:id="rId45"/>
-    <p:sldId id="303" r:id="rId46"/>
-    <p:sldId id="304" r:id="rId47"/>
-    <p:sldId id="302" r:id="rId48"/>
-    <p:sldId id="305" r:id="rId49"/>
-    <p:sldId id="307" r:id="rId50"/>
-    <p:sldId id="306" r:id="rId51"/>
-    <p:sldId id="309" r:id="rId52"/>
-    <p:sldId id="310" r:id="rId53"/>
-    <p:sldId id="311" r:id="rId54"/>
-    <p:sldId id="308" r:id="rId55"/>
-    <p:sldId id="312" r:id="rId56"/>
-    <p:sldId id="313" r:id="rId57"/>
-    <p:sldId id="314" r:id="rId58"/>
-    <p:sldId id="315" r:id="rId59"/>
-    <p:sldId id="316" r:id="rId60"/>
-    <p:sldId id="317" r:id="rId61"/>
+    <p:sldId id="318" r:id="rId2"/>
+    <p:sldId id="320" r:id="rId3"/>
+    <p:sldId id="321" r:id="rId4"/>
+    <p:sldId id="319" r:id="rId5"/>
+    <p:sldId id="257" r:id="rId6"/>
+    <p:sldId id="258" r:id="rId7"/>
+    <p:sldId id="259" r:id="rId8"/>
+    <p:sldId id="260" r:id="rId9"/>
+    <p:sldId id="261" r:id="rId10"/>
+    <p:sldId id="262" r:id="rId11"/>
+    <p:sldId id="277" r:id="rId12"/>
+    <p:sldId id="280" r:id="rId13"/>
+    <p:sldId id="278" r:id="rId14"/>
+    <p:sldId id="279" r:id="rId15"/>
+    <p:sldId id="281" r:id="rId16"/>
+    <p:sldId id="264" r:id="rId17"/>
+    <p:sldId id="265" r:id="rId18"/>
+    <p:sldId id="282" r:id="rId19"/>
+    <p:sldId id="266" r:id="rId20"/>
+    <p:sldId id="283" r:id="rId21"/>
+    <p:sldId id="267" r:id="rId22"/>
+    <p:sldId id="268" r:id="rId23"/>
+    <p:sldId id="284" r:id="rId24"/>
+    <p:sldId id="286" r:id="rId25"/>
+    <p:sldId id="287" r:id="rId26"/>
+    <p:sldId id="269" r:id="rId27"/>
+    <p:sldId id="288" r:id="rId28"/>
+    <p:sldId id="289" r:id="rId29"/>
+    <p:sldId id="270" r:id="rId30"/>
+    <p:sldId id="290" r:id="rId31"/>
+    <p:sldId id="271" r:id="rId32"/>
+    <p:sldId id="272" r:id="rId33"/>
+    <p:sldId id="273" r:id="rId34"/>
+    <p:sldId id="291" r:id="rId35"/>
+    <p:sldId id="274" r:id="rId36"/>
+    <p:sldId id="275" r:id="rId37"/>
+    <p:sldId id="292" r:id="rId38"/>
+    <p:sldId id="293" r:id="rId39"/>
+    <p:sldId id="294" r:id="rId40"/>
+    <p:sldId id="276" r:id="rId41"/>
+    <p:sldId id="296" r:id="rId42"/>
+    <p:sldId id="297" r:id="rId43"/>
+    <p:sldId id="295" r:id="rId44"/>
+    <p:sldId id="298" r:id="rId45"/>
+    <p:sldId id="299" r:id="rId46"/>
+    <p:sldId id="300" r:id="rId47"/>
+    <p:sldId id="301" r:id="rId48"/>
+    <p:sldId id="303" r:id="rId49"/>
+    <p:sldId id="304" r:id="rId50"/>
+    <p:sldId id="302" r:id="rId51"/>
+    <p:sldId id="305" r:id="rId52"/>
+    <p:sldId id="307" r:id="rId53"/>
+    <p:sldId id="306" r:id="rId54"/>
+    <p:sldId id="309" r:id="rId55"/>
+    <p:sldId id="310" r:id="rId56"/>
+    <p:sldId id="311" r:id="rId57"/>
+    <p:sldId id="308" r:id="rId58"/>
+    <p:sldId id="312" r:id="rId59"/>
+    <p:sldId id="313" r:id="rId60"/>
+    <p:sldId id="314" r:id="rId61"/>
+    <p:sldId id="315" r:id="rId62"/>
+    <p:sldId id="316" r:id="rId63"/>
+    <p:sldId id="317" r:id="rId64"/>
+    <p:sldId id="322" r:id="rId65"/>
+    <p:sldId id="324" r:id="rId66"/>
+    <p:sldId id="325" r:id="rId67"/>
+    <p:sldId id="326" r:id="rId68"/>
+    <p:sldId id="327" r:id="rId69"/>
   </p:sldIdLst>
   <p:sldSz cx="9144000" cy="6858000" type="screen4x3"/>
   <p:notesSz cx="6858000" cy="9144000"/>
@@ -168,7 +176,10 @@
       <p14:sectionLst xmlns:p14="http://schemas.microsoft.com/office/powerpoint/2010/main">
         <p14:section name="Default Section" id="{B88A25D1-F399-457B-B2FC-2451ED2C9C17}">
           <p14:sldIdLst>
-            <p14:sldId id="256"/>
+            <p14:sldId id="318"/>
+            <p14:sldId id="320"/>
+            <p14:sldId id="321"/>
+            <p14:sldId id="319"/>
             <p14:sldId id="257"/>
             <p14:sldId id="258"/>
             <p14:sldId id="259"/>
@@ -228,6 +239,11 @@
             <p14:sldId id="315"/>
             <p14:sldId id="316"/>
             <p14:sldId id="317"/>
+            <p14:sldId id="322"/>
+            <p14:sldId id="324"/>
+            <p14:sldId id="325"/>
+            <p14:sldId id="326"/>
+            <p14:sldId id="327"/>
           </p14:sldIdLst>
         </p14:section>
       </p14:sectionLst>
@@ -417,7 +433,7 @@
           <a:p>
             <a:fld id="{A581D9B4-D144-4F7E-8E56-B2C488C39686}" type="datetimeFigureOut">
               <a:rPr lang="en-US" smtClean="0"/>
-              <a:t>2/13/2019</a:t>
+              <a:t>2/23/2019</a:t>
             </a:fld>
             <a:endParaRPr lang="en-US"/>
           </a:p>
@@ -587,7 +603,7 @@
           <a:p>
             <a:fld id="{A581D9B4-D144-4F7E-8E56-B2C488C39686}" type="datetimeFigureOut">
               <a:rPr lang="en-US" smtClean="0"/>
-              <a:t>2/13/2019</a:t>
+              <a:t>2/23/2019</a:t>
             </a:fld>
             <a:endParaRPr lang="en-US"/>
           </a:p>
@@ -767,7 +783,7 @@
           <a:p>
             <a:fld id="{A581D9B4-D144-4F7E-8E56-B2C488C39686}" type="datetimeFigureOut">
               <a:rPr lang="en-US" smtClean="0"/>
-              <a:t>2/13/2019</a:t>
+              <a:t>2/23/2019</a:t>
             </a:fld>
             <a:endParaRPr lang="en-US"/>
           </a:p>
@@ -937,7 +953,7 @@
           <a:p>
             <a:fld id="{A581D9B4-D144-4F7E-8E56-B2C488C39686}" type="datetimeFigureOut">
               <a:rPr lang="en-US" smtClean="0"/>
-              <a:t>2/13/2019</a:t>
+              <a:t>2/23/2019</a:t>
             </a:fld>
             <a:endParaRPr lang="en-US"/>
           </a:p>
@@ -1183,7 +1199,7 @@
           <a:p>
             <a:fld id="{A581D9B4-D144-4F7E-8E56-B2C488C39686}" type="datetimeFigureOut">
               <a:rPr lang="en-US" smtClean="0"/>
-              <a:t>2/13/2019</a:t>
+              <a:t>2/23/2019</a:t>
             </a:fld>
             <a:endParaRPr lang="en-US"/>
           </a:p>
@@ -1471,7 +1487,7 @@
           <a:p>
             <a:fld id="{A581D9B4-D144-4F7E-8E56-B2C488C39686}" type="datetimeFigureOut">
               <a:rPr lang="en-US" smtClean="0"/>
-              <a:t>2/13/2019</a:t>
+              <a:t>2/23/2019</a:t>
             </a:fld>
             <a:endParaRPr lang="en-US"/>
           </a:p>
@@ -1893,7 +1909,7 @@
           <a:p>
             <a:fld id="{A581D9B4-D144-4F7E-8E56-B2C488C39686}" type="datetimeFigureOut">
               <a:rPr lang="en-US" smtClean="0"/>
-              <a:t>2/13/2019</a:t>
+              <a:t>2/23/2019</a:t>
             </a:fld>
             <a:endParaRPr lang="en-US"/>
           </a:p>
@@ -2011,7 +2027,7 @@
           <a:p>
             <a:fld id="{A581D9B4-D144-4F7E-8E56-B2C488C39686}" type="datetimeFigureOut">
               <a:rPr lang="en-US" smtClean="0"/>
-              <a:t>2/13/2019</a:t>
+              <a:t>2/23/2019</a:t>
             </a:fld>
             <a:endParaRPr lang="en-US"/>
           </a:p>
@@ -2106,7 +2122,7 @@
           <a:p>
             <a:fld id="{A581D9B4-D144-4F7E-8E56-B2C488C39686}" type="datetimeFigureOut">
               <a:rPr lang="en-US" smtClean="0"/>
-              <a:t>2/13/2019</a:t>
+              <a:t>2/23/2019</a:t>
             </a:fld>
             <a:endParaRPr lang="en-US"/>
           </a:p>
@@ -2383,7 +2399,7 @@
           <a:p>
             <a:fld id="{A581D9B4-D144-4F7E-8E56-B2C488C39686}" type="datetimeFigureOut">
               <a:rPr lang="en-US" smtClean="0"/>
-              <a:t>2/13/2019</a:t>
+              <a:t>2/23/2019</a:t>
             </a:fld>
             <a:endParaRPr lang="en-US"/>
           </a:p>
@@ -2636,7 +2652,7 @@
           <a:p>
             <a:fld id="{A581D9B4-D144-4F7E-8E56-B2C488C39686}" type="datetimeFigureOut">
               <a:rPr lang="en-US" smtClean="0"/>
-              <a:t>2/13/2019</a:t>
+              <a:t>2/23/2019</a:t>
             </a:fld>
             <a:endParaRPr lang="en-US"/>
           </a:p>
@@ -2849,7 +2865,7 @@
           <a:p>
             <a:fld id="{A581D9B4-D144-4F7E-8E56-B2C488C39686}" type="datetimeFigureOut">
               <a:rPr lang="en-US" smtClean="0"/>
-              <a:t>2/13/2019</a:t>
+              <a:t>2/23/2019</a:t>
             </a:fld>
             <a:endParaRPr lang="en-US"/>
           </a:p>
@@ -3231,17 +3247,17 @@
             <a:spLocks noGrp="1"/>
           </p:cNvSpPr>
           <p:nvPr>
-            <p:ph type="ctrTitle"/>
-          </p:nvPr>
-        </p:nvSpPr>
-        <p:spPr/>
-        <p:txBody>
-          <a:bodyPr/>
-          <a:lstStyle/>
-          <a:p>
-            <a:r>
-              <a:rPr lang="en-US" dirty="0" smtClean="0"/>
-              <a:t>Intro DL</a:t>
+            <p:ph type="title"/>
+          </p:nvPr>
+        </p:nvSpPr>
+        <p:spPr/>
+        <p:txBody>
+          <a:bodyPr/>
+          <a:lstStyle/>
+          <a:p>
+            <a:r>
+              <a:rPr lang="en-US" dirty="0" smtClean="0"/>
+              <a:t>Artificial Intelligence (AI)</a:t>
             </a:r>
             <a:endParaRPr lang="en-US" dirty="0"/>
           </a:p>
@@ -3249,27 +3265,45 @@
       </p:sp>
       <p:sp>
         <p:nvSpPr>
-          <p:cNvPr id="3" name="Subtitle 2"/>
-          <p:cNvSpPr>
-            <a:spLocks noGrp="1"/>
-          </p:cNvSpPr>
-          <p:nvPr>
-            <p:ph type="subTitle" idx="1"/>
-          </p:nvPr>
-        </p:nvSpPr>
-        <p:spPr/>
-        <p:txBody>
-          <a:bodyPr/>
-          <a:lstStyle/>
-          <a:p>
-            <a:endParaRPr lang="en-US"/>
+          <p:cNvPr id="3" name="Content Placeholder 2"/>
+          <p:cNvSpPr>
+            <a:spLocks noGrp="1"/>
+          </p:cNvSpPr>
+          <p:nvPr>
+            <p:ph idx="1"/>
+          </p:nvPr>
+        </p:nvSpPr>
+        <p:spPr/>
+        <p:txBody>
+          <a:bodyPr/>
+          <a:lstStyle/>
+          <a:p>
+            <a:r>
+              <a:rPr lang="en-US" dirty="0" err="1" smtClean="0"/>
+              <a:t>IoT</a:t>
+            </a:r>
+            <a:endParaRPr lang="en-US" dirty="0" smtClean="0"/>
+          </a:p>
+          <a:p>
+            <a:r>
+              <a:rPr lang="en-US" dirty="0" smtClean="0"/>
+              <a:t>Machine Learning </a:t>
+            </a:r>
+          </a:p>
+          <a:p>
+            <a:pPr lvl="1"/>
+            <a:r>
+              <a:rPr lang="en-US" dirty="0" smtClean="0"/>
+              <a:t>Deep Learning  </a:t>
+            </a:r>
+            <a:endParaRPr lang="en-US" dirty="0"/>
           </a:p>
         </p:txBody>
       </p:sp>
     </p:spTree>
     <p:extLst>
       <p:ext uri="{BB962C8B-B14F-4D97-AF65-F5344CB8AC3E}">
-        <p14:creationId xmlns:p14="http://schemas.microsoft.com/office/powerpoint/2010/main" val="1205245594"/>
+        <p14:creationId xmlns:p14="http://schemas.microsoft.com/office/powerpoint/2010/main" val="1737778615"/>
       </p:ext>
     </p:extLst>
   </p:cSld>
@@ -3280,6 +3314,423 @@
 </file>
 
 <file path=ppt/slides/slide10.xml><?xml version="1.0" encoding="utf-8"?>
+<p:sld xmlns:a="http://schemas.openxmlformats.org/drawingml/2006/main" xmlns:r="http://schemas.openxmlformats.org/officeDocument/2006/relationships" xmlns:p="http://schemas.openxmlformats.org/presentationml/2006/main">
+  <p:cSld>
+    <p:spTree>
+      <p:nvGrpSpPr>
+        <p:cNvPr id="1" name=""/>
+        <p:cNvGrpSpPr/>
+        <p:nvPr/>
+      </p:nvGrpSpPr>
+      <p:grpSpPr>
+        <a:xfrm>
+          <a:off x="0" y="0"/>
+          <a:ext cx="0" cy="0"/>
+          <a:chOff x="0" y="0"/>
+          <a:chExt cx="0" cy="0"/>
+        </a:xfrm>
+      </p:grpSpPr>
+      <p:sp>
+        <p:nvSpPr>
+          <p:cNvPr id="2" name="Title 1"/>
+          <p:cNvSpPr>
+            <a:spLocks noGrp="1"/>
+          </p:cNvSpPr>
+          <p:nvPr>
+            <p:ph type="title"/>
+          </p:nvPr>
+        </p:nvSpPr>
+        <p:spPr/>
+        <p:txBody>
+          <a:bodyPr/>
+          <a:lstStyle/>
+          <a:p>
+            <a:r>
+              <a:rPr lang="en-US" dirty="0" smtClean="0"/>
+              <a:t>Linear Boundaries</a:t>
+            </a:r>
+            <a:endParaRPr lang="en-US" dirty="0"/>
+          </a:p>
+        </p:txBody>
+      </p:sp>
+      <p:sp>
+        <p:nvSpPr>
+          <p:cNvPr id="3" name="Content Placeholder 2"/>
+          <p:cNvSpPr>
+            <a:spLocks noGrp="1"/>
+          </p:cNvSpPr>
+          <p:nvPr>
+            <p:ph idx="1"/>
+          </p:nvPr>
+        </p:nvSpPr>
+        <p:spPr/>
+        <p:txBody>
+          <a:bodyPr/>
+          <a:lstStyle/>
+          <a:p>
+            <a:r>
+              <a:rPr lang="en-US" dirty="0" smtClean="0"/>
+              <a:t>w1x1+w2x2+b=0</a:t>
+            </a:r>
+          </a:p>
+          <a:p>
+            <a:r>
+              <a:rPr lang="en-US" dirty="0" err="1" smtClean="0"/>
+              <a:t>WX+b</a:t>
+            </a:r>
+            <a:r>
+              <a:rPr lang="en-US" dirty="0" smtClean="0"/>
+              <a:t>=0 </a:t>
+            </a:r>
+          </a:p>
+          <a:p>
+            <a:r>
+              <a:rPr lang="en-US" dirty="0" smtClean="0"/>
+              <a:t>W=[w1,w2]</a:t>
+            </a:r>
+          </a:p>
+          <a:p>
+            <a:r>
+              <a:rPr lang="en-US" dirty="0" smtClean="0"/>
+              <a:t>X=[x1,x2]</a:t>
+            </a:r>
+          </a:p>
+          <a:p>
+            <a:r>
+              <a:rPr lang="en-US" dirty="0" smtClean="0"/>
+              <a:t>Y = label 0 or 1</a:t>
+            </a:r>
+          </a:p>
+          <a:p>
+            <a:r>
+              <a:rPr lang="en-US" dirty="0" smtClean="0"/>
+              <a:t>If </a:t>
+            </a:r>
+            <a:r>
+              <a:rPr lang="en-US" dirty="0" err="1" smtClean="0"/>
+              <a:t>WX+b</a:t>
+            </a:r>
+            <a:r>
+              <a:rPr lang="en-US" dirty="0" smtClean="0"/>
+              <a:t>&gt;= 0 |y=1</a:t>
+            </a:r>
+          </a:p>
+          <a:p>
+            <a:r>
+              <a:rPr lang="en-US" dirty="0" smtClean="0"/>
+              <a:t>If </a:t>
+            </a:r>
+            <a:r>
+              <a:rPr lang="en-US" dirty="0" err="1" smtClean="0"/>
+              <a:t>WX+b</a:t>
+            </a:r>
+            <a:r>
+              <a:rPr lang="en-US" dirty="0" smtClean="0"/>
+              <a:t>&lt;0 |y=0</a:t>
+            </a:r>
+          </a:p>
+        </p:txBody>
+      </p:sp>
+    </p:spTree>
+    <p:extLst>
+      <p:ext uri="{BB962C8B-B14F-4D97-AF65-F5344CB8AC3E}">
+        <p14:creationId xmlns:p14="http://schemas.microsoft.com/office/powerpoint/2010/main" val="537500611"/>
+      </p:ext>
+    </p:extLst>
+  </p:cSld>
+  <p:clrMapOvr>
+    <a:masterClrMapping/>
+  </p:clrMapOvr>
+</p:sld>
+</file>
+
+<file path=ppt/slides/slide11.xml><?xml version="1.0" encoding="utf-8"?>
+<p:sld xmlns:a="http://schemas.openxmlformats.org/drawingml/2006/main" xmlns:r="http://schemas.openxmlformats.org/officeDocument/2006/relationships" xmlns:p="http://schemas.openxmlformats.org/presentationml/2006/main">
+  <p:cSld>
+    <p:spTree>
+      <p:nvGrpSpPr>
+        <p:cNvPr id="1" name=""/>
+        <p:cNvGrpSpPr/>
+        <p:nvPr/>
+      </p:nvGrpSpPr>
+      <p:grpSpPr>
+        <a:xfrm>
+          <a:off x="0" y="0"/>
+          <a:ext cx="0" cy="0"/>
+          <a:chOff x="0" y="0"/>
+          <a:chExt cx="0" cy="0"/>
+        </a:xfrm>
+      </p:grpSpPr>
+      <p:sp>
+        <p:nvSpPr>
+          <p:cNvPr id="2" name="Title 1"/>
+          <p:cNvSpPr>
+            <a:spLocks noGrp="1"/>
+          </p:cNvSpPr>
+          <p:nvPr>
+            <p:ph type="title"/>
+          </p:nvPr>
+        </p:nvSpPr>
+        <p:spPr/>
+        <p:txBody>
+          <a:bodyPr/>
+          <a:lstStyle/>
+          <a:p>
+            <a:r>
+              <a:rPr lang="en-US" dirty="0" smtClean="0"/>
+              <a:t>Higher Dimensions</a:t>
+            </a:r>
+            <a:endParaRPr lang="en-US" dirty="0"/>
+          </a:p>
+        </p:txBody>
+      </p:sp>
+      <p:sp>
+        <p:nvSpPr>
+          <p:cNvPr id="3" name="Content Placeholder 2"/>
+          <p:cNvSpPr>
+            <a:spLocks noGrp="1"/>
+          </p:cNvSpPr>
+          <p:nvPr>
+            <p:ph idx="1"/>
+          </p:nvPr>
+        </p:nvSpPr>
+        <p:spPr/>
+        <p:txBody>
+          <a:bodyPr>
+            <a:normAutofit lnSpcReduction="10000"/>
+          </a:bodyPr>
+          <a:lstStyle/>
+          <a:p>
+            <a:r>
+              <a:rPr lang="en-US" dirty="0" smtClean="0"/>
+              <a:t>If we have more columns more than one</a:t>
+            </a:r>
+          </a:p>
+          <a:p>
+            <a:r>
+              <a:rPr lang="en-US" dirty="0" smtClean="0"/>
+              <a:t>W1x1+w2x2+w3x3 +b =0</a:t>
+            </a:r>
+          </a:p>
+          <a:p>
+            <a:r>
+              <a:rPr lang="en-US" dirty="0" smtClean="0"/>
+              <a:t>WX +b = 0</a:t>
+            </a:r>
+          </a:p>
+          <a:p>
+            <a:r>
+              <a:rPr lang="en-US" dirty="0" smtClean="0"/>
+              <a:t>W=[w1,w2,w3]</a:t>
+            </a:r>
+          </a:p>
+          <a:p>
+            <a:r>
+              <a:rPr lang="en-US" dirty="0" smtClean="0"/>
+              <a:t>X=[x1,x2,x3]</a:t>
+            </a:r>
+          </a:p>
+          <a:p>
+            <a:r>
+              <a:rPr lang="en-US" dirty="0" smtClean="0"/>
+              <a:t>Y= 1| </a:t>
+            </a:r>
+            <a:r>
+              <a:rPr lang="en-US" dirty="0" err="1" smtClean="0"/>
+              <a:t>WX+b</a:t>
+            </a:r>
+            <a:r>
+              <a:rPr lang="en-US" dirty="0" smtClean="0"/>
+              <a:t>&gt;=0</a:t>
+            </a:r>
+          </a:p>
+          <a:p>
+            <a:r>
+              <a:rPr lang="en-US" dirty="0" smtClean="0"/>
+              <a:t>Y=0 | </a:t>
+            </a:r>
+            <a:r>
+              <a:rPr lang="en-US" dirty="0" err="1" smtClean="0"/>
+              <a:t>WX+b</a:t>
+            </a:r>
+            <a:r>
+              <a:rPr lang="en-US" dirty="0" smtClean="0"/>
+              <a:t>&lt;0</a:t>
+            </a:r>
+          </a:p>
+          <a:p>
+            <a:r>
+              <a:rPr lang="en-US" dirty="0" smtClean="0"/>
+              <a:t>There can be ‘n’ such </a:t>
+            </a:r>
+            <a:r>
+              <a:rPr lang="en-US" dirty="0" err="1" smtClean="0"/>
+              <a:t>dimentions</a:t>
+            </a:r>
+            <a:r>
+              <a:rPr lang="en-US" dirty="0" smtClean="0"/>
+              <a:t> </a:t>
+            </a:r>
+          </a:p>
+        </p:txBody>
+      </p:sp>
+    </p:spTree>
+    <p:extLst>
+      <p:ext uri="{BB962C8B-B14F-4D97-AF65-F5344CB8AC3E}">
+        <p14:creationId xmlns:p14="http://schemas.microsoft.com/office/powerpoint/2010/main" val="1438629694"/>
+      </p:ext>
+    </p:extLst>
+  </p:cSld>
+  <p:clrMapOvr>
+    <a:masterClrMapping/>
+  </p:clrMapOvr>
+</p:sld>
+</file>
+
+<file path=ppt/slides/slide12.xml><?xml version="1.0" encoding="utf-8"?>
+<p:sld xmlns:a="http://schemas.openxmlformats.org/drawingml/2006/main" xmlns:r="http://schemas.openxmlformats.org/officeDocument/2006/relationships" xmlns:p="http://schemas.openxmlformats.org/presentationml/2006/main">
+  <p:cSld>
+    <p:spTree>
+      <p:nvGrpSpPr>
+        <p:cNvPr id="1" name=""/>
+        <p:cNvGrpSpPr/>
+        <p:nvPr/>
+      </p:nvGrpSpPr>
+      <p:grpSpPr>
+        <a:xfrm>
+          <a:off x="0" y="0"/>
+          <a:ext cx="0" cy="0"/>
+          <a:chOff x="0" y="0"/>
+          <a:chExt cx="0" cy="0"/>
+        </a:xfrm>
+      </p:grpSpPr>
+      <p:sp>
+        <p:nvSpPr>
+          <p:cNvPr id="2" name="Title 1"/>
+          <p:cNvSpPr>
+            <a:spLocks noGrp="1"/>
+          </p:cNvSpPr>
+          <p:nvPr>
+            <p:ph type="title"/>
+          </p:nvPr>
+        </p:nvSpPr>
+        <p:spPr/>
+        <p:txBody>
+          <a:bodyPr/>
+          <a:lstStyle/>
+          <a:p>
+            <a:r>
+              <a:rPr lang="en-US" dirty="0" err="1" smtClean="0"/>
+              <a:t>Perceptrons</a:t>
+            </a:r>
+            <a:r>
+              <a:rPr lang="en-US" dirty="0" smtClean="0"/>
+              <a:t> </a:t>
+            </a:r>
+            <a:endParaRPr lang="en-US" dirty="0"/>
+          </a:p>
+        </p:txBody>
+      </p:sp>
+      <p:pic>
+        <p:nvPicPr>
+          <p:cNvPr id="2050" name="Picture 2"/>
+          <p:cNvPicPr>
+            <a:picLocks noGrp="1" noChangeAspect="1" noChangeArrowheads="1"/>
+          </p:cNvPicPr>
+          <p:nvPr>
+            <p:ph idx="1"/>
+          </p:nvPr>
+        </p:nvPicPr>
+        <p:blipFill>
+          <a:blip r:embed="rId2">
+            <a:extLst>
+              <a:ext uri="{28A0092B-C50C-407E-A947-70E740481C1C}">
+                <a14:useLocalDpi xmlns:a14="http://schemas.microsoft.com/office/drawing/2010/main" val="0"/>
+              </a:ext>
+            </a:extLst>
+          </a:blip>
+          <a:srcRect/>
+          <a:stretch>
+            <a:fillRect/>
+          </a:stretch>
+        </p:blipFill>
+        <p:spPr bwMode="auto">
+          <a:xfrm>
+            <a:off x="833437" y="1772444"/>
+            <a:ext cx="5795963" cy="3241309"/>
+          </a:xfrm>
+          <a:prstGeom prst="rect">
+            <a:avLst/>
+          </a:prstGeom>
+          <a:noFill/>
+          <a:ln>
+            <a:noFill/>
+          </a:ln>
+          <a:extLst>
+            <a:ext uri="{909E8E84-426E-40DD-AFC4-6F175D3DCCD1}">
+              <a14:hiddenFill xmlns:a14="http://schemas.microsoft.com/office/drawing/2010/main">
+                <a:solidFill>
+                  <a:schemeClr val="accent1"/>
+                </a:solidFill>
+              </a14:hiddenFill>
+            </a:ext>
+            <a:ext uri="{91240B29-F687-4F45-9708-019B960494DF}">
+              <a14:hiddenLine xmlns:a14="http://schemas.microsoft.com/office/drawing/2010/main" w="9525">
+                <a:solidFill>
+                  <a:schemeClr val="tx1"/>
+                </a:solidFill>
+                <a:miter lim="800000"/>
+                <a:headEnd/>
+                <a:tailEnd/>
+              </a14:hiddenLine>
+            </a:ext>
+          </a:extLst>
+        </p:spPr>
+      </p:pic>
+      <p:sp>
+        <p:nvSpPr>
+          <p:cNvPr id="4" name="TextBox 3"/>
+          <p:cNvSpPr txBox="1"/>
+          <p:nvPr/>
+        </p:nvSpPr>
+        <p:spPr>
+          <a:xfrm>
+            <a:off x="990600" y="1371600"/>
+            <a:ext cx="5334000" cy="381000"/>
+          </a:xfrm>
+          <a:prstGeom prst="rect">
+            <a:avLst/>
+          </a:prstGeom>
+          <a:noFill/>
+        </p:spPr>
+        <p:txBody>
+          <a:bodyPr wrap="square" rtlCol="0">
+            <a:spAutoFit/>
+          </a:bodyPr>
+          <a:lstStyle/>
+          <a:p>
+            <a:r>
+              <a:rPr lang="en-US" dirty="0" smtClean="0"/>
+              <a:t>Basic building block of NN</a:t>
+            </a:r>
+            <a:endParaRPr lang="en-US" dirty="0"/>
+          </a:p>
+        </p:txBody>
+      </p:sp>
+    </p:spTree>
+    <p:extLst>
+      <p:ext uri="{BB962C8B-B14F-4D97-AF65-F5344CB8AC3E}">
+        <p14:creationId xmlns:p14="http://schemas.microsoft.com/office/powerpoint/2010/main" val="9124212"/>
+      </p:ext>
+    </p:extLst>
+  </p:cSld>
+  <p:clrMapOvr>
+    <a:masterClrMapping/>
+  </p:clrMapOvr>
+</p:sld>
+</file>
+
+<file path=ppt/slides/slide13.xml><?xml version="1.0" encoding="utf-8"?>
 <p:sld xmlns:a="http://schemas.openxmlformats.org/drawingml/2006/main" xmlns:r="http://schemas.openxmlformats.org/officeDocument/2006/relationships" xmlns:p="http://schemas.openxmlformats.org/presentationml/2006/main">
   <p:cSld>
     <p:spTree>
@@ -3411,7 +3862,7 @@
 </p:sld>
 </file>
 
-<file path=ppt/slides/slide11.xml><?xml version="1.0" encoding="utf-8"?>
+<file path=ppt/slides/slide14.xml><?xml version="1.0" encoding="utf-8"?>
 <p:sld xmlns:a="http://schemas.openxmlformats.org/drawingml/2006/main" xmlns:r="http://schemas.openxmlformats.org/officeDocument/2006/relationships" xmlns:p="http://schemas.openxmlformats.org/presentationml/2006/main">
   <p:cSld>
     <p:spTree>
@@ -3543,7 +3994,7 @@
 </p:sld>
 </file>
 
-<file path=ppt/slides/slide12.xml><?xml version="1.0" encoding="utf-8"?>
+<file path=ppt/slides/slide15.xml><?xml version="1.0" encoding="utf-8"?>
 <p:sld xmlns:a="http://schemas.openxmlformats.org/drawingml/2006/main" xmlns:r="http://schemas.openxmlformats.org/officeDocument/2006/relationships" xmlns:p="http://schemas.openxmlformats.org/presentationml/2006/main">
   <p:cSld>
     <p:spTree>
@@ -3729,7 +4180,7 @@
 </p:sld>
 </file>
 
-<file path=ppt/slides/slide13.xml><?xml version="1.0" encoding="utf-8"?>
+<file path=ppt/slides/slide16.xml><?xml version="1.0" encoding="utf-8"?>
 <p:sld xmlns:a="http://schemas.openxmlformats.org/drawingml/2006/main" xmlns:r="http://schemas.openxmlformats.org/officeDocument/2006/relationships" xmlns:p="http://schemas.openxmlformats.org/presentationml/2006/main">
   <p:cSld>
     <p:spTree>
@@ -3845,7 +4296,7 @@
 </p:sld>
 </file>
 
-<file path=ppt/slides/slide14.xml><?xml version="1.0" encoding="utf-8"?>
+<file path=ppt/slides/slide17.xml><?xml version="1.0" encoding="utf-8"?>
 <p:sld xmlns:a="http://schemas.openxmlformats.org/drawingml/2006/main" xmlns:r="http://schemas.openxmlformats.org/officeDocument/2006/relationships" xmlns:p="http://schemas.openxmlformats.org/presentationml/2006/main">
   <p:cSld>
     <p:spTree>
@@ -3954,7 +4405,7 @@
 </p:sld>
 </file>
 
-<file path=ppt/slides/slide15.xml><?xml version="1.0" encoding="utf-8"?>
+<file path=ppt/slides/slide18.xml><?xml version="1.0" encoding="utf-8"?>
 <p:sld xmlns:a="http://schemas.openxmlformats.org/drawingml/2006/main" xmlns:r="http://schemas.openxmlformats.org/officeDocument/2006/relationships" xmlns:p="http://schemas.openxmlformats.org/presentationml/2006/main">
   <p:cSld>
     <p:spTree>
@@ -4117,269 +4568,6 @@
 </p:sld>
 </file>
 
-<file path=ppt/slides/slide16.xml><?xml version="1.0" encoding="utf-8"?>
-<p:sld xmlns:a="http://schemas.openxmlformats.org/drawingml/2006/main" xmlns:r="http://schemas.openxmlformats.org/officeDocument/2006/relationships" xmlns:p="http://schemas.openxmlformats.org/presentationml/2006/main">
-  <p:cSld>
-    <p:spTree>
-      <p:nvGrpSpPr>
-        <p:cNvPr id="1" name=""/>
-        <p:cNvGrpSpPr/>
-        <p:nvPr/>
-      </p:nvGrpSpPr>
-      <p:grpSpPr>
-        <a:xfrm>
-          <a:off x="0" y="0"/>
-          <a:ext cx="0" cy="0"/>
-          <a:chOff x="0" y="0"/>
-          <a:chExt cx="0" cy="0"/>
-        </a:xfrm>
-      </p:grpSpPr>
-      <p:sp>
-        <p:nvSpPr>
-          <p:cNvPr id="2" name="Title 1"/>
-          <p:cNvSpPr>
-            <a:spLocks noGrp="1"/>
-          </p:cNvSpPr>
-          <p:nvPr>
-            <p:ph type="title"/>
-          </p:nvPr>
-        </p:nvSpPr>
-        <p:spPr/>
-        <p:txBody>
-          <a:bodyPr/>
-          <a:lstStyle/>
-          <a:p>
-            <a:r>
-              <a:rPr lang="en-US" dirty="0" smtClean="0"/>
-              <a:t>Non Linear regions</a:t>
-            </a:r>
-            <a:endParaRPr lang="en-US" dirty="0"/>
-          </a:p>
-        </p:txBody>
-      </p:sp>
-      <p:sp>
-        <p:nvSpPr>
-          <p:cNvPr id="3" name="Content Placeholder 2"/>
-          <p:cNvSpPr>
-            <a:spLocks noGrp="1"/>
-          </p:cNvSpPr>
-          <p:nvPr>
-            <p:ph idx="1"/>
-          </p:nvPr>
-        </p:nvSpPr>
-        <p:spPr/>
-        <p:txBody>
-          <a:bodyPr/>
-          <a:lstStyle/>
-          <a:p>
-            <a:r>
-              <a:rPr lang="en-US" dirty="0" smtClean="0"/>
-              <a:t>If we require more complex models than lines</a:t>
-            </a:r>
-          </a:p>
-          <a:p>
-            <a:r>
-              <a:rPr lang="en-US" dirty="0" smtClean="0"/>
-              <a:t>Such as circles , two lines or curves </a:t>
-            </a:r>
-          </a:p>
-          <a:p>
-            <a:r>
-              <a:rPr lang="en-US" dirty="0" smtClean="0"/>
-              <a:t>Then perceptron algorithm won’t help us.</a:t>
-            </a:r>
-            <a:endParaRPr lang="en-US" dirty="0"/>
-          </a:p>
-        </p:txBody>
-      </p:sp>
-    </p:spTree>
-    <p:extLst>
-      <p:ext uri="{BB962C8B-B14F-4D97-AF65-F5344CB8AC3E}">
-        <p14:creationId xmlns:p14="http://schemas.microsoft.com/office/powerpoint/2010/main" val="2222440972"/>
-      </p:ext>
-    </p:extLst>
-  </p:cSld>
-  <p:clrMapOvr>
-    <a:masterClrMapping/>
-  </p:clrMapOvr>
-</p:sld>
-</file>
-
-<file path=ppt/slides/slide17.xml><?xml version="1.0" encoding="utf-8"?>
-<p:sld xmlns:a="http://schemas.openxmlformats.org/drawingml/2006/main" xmlns:r="http://schemas.openxmlformats.org/officeDocument/2006/relationships" xmlns:p="http://schemas.openxmlformats.org/presentationml/2006/main">
-  <p:cSld>
-    <p:spTree>
-      <p:nvGrpSpPr>
-        <p:cNvPr id="1" name=""/>
-        <p:cNvGrpSpPr/>
-        <p:nvPr/>
-      </p:nvGrpSpPr>
-      <p:grpSpPr>
-        <a:xfrm>
-          <a:off x="0" y="0"/>
-          <a:ext cx="0" cy="0"/>
-          <a:chOff x="0" y="0"/>
-          <a:chExt cx="0" cy="0"/>
-        </a:xfrm>
-      </p:grpSpPr>
-      <p:sp>
-        <p:nvSpPr>
-          <p:cNvPr id="2" name="Title 1"/>
-          <p:cNvSpPr>
-            <a:spLocks noGrp="1"/>
-          </p:cNvSpPr>
-          <p:nvPr>
-            <p:ph type="title"/>
-          </p:nvPr>
-        </p:nvSpPr>
-        <p:spPr/>
-        <p:txBody>
-          <a:bodyPr/>
-          <a:lstStyle/>
-          <a:p>
-            <a:r>
-              <a:rPr lang="en-US" dirty="0" smtClean="0"/>
-              <a:t>Error function</a:t>
-            </a:r>
-            <a:endParaRPr lang="en-US" dirty="0"/>
-          </a:p>
-        </p:txBody>
-      </p:sp>
-      <p:sp>
-        <p:nvSpPr>
-          <p:cNvPr id="3" name="Content Placeholder 2"/>
-          <p:cNvSpPr>
-            <a:spLocks noGrp="1"/>
-          </p:cNvSpPr>
-          <p:nvPr>
-            <p:ph idx="1"/>
-          </p:nvPr>
-        </p:nvSpPr>
-        <p:spPr/>
-        <p:txBody>
-          <a:bodyPr/>
-          <a:lstStyle/>
-          <a:p>
-            <a:r>
-              <a:rPr lang="en-US" dirty="0" smtClean="0"/>
-              <a:t>How far we are from the solution </a:t>
-            </a:r>
-          </a:p>
-          <a:p>
-            <a:r>
-              <a:rPr lang="en-US" dirty="0" smtClean="0"/>
-              <a:t>Log loss error</a:t>
-            </a:r>
-          </a:p>
-          <a:p>
-            <a:pPr lvl="1"/>
-            <a:r>
-              <a:rPr lang="en-US" dirty="0" smtClean="0"/>
-              <a:t>Gradient descent</a:t>
-            </a:r>
-          </a:p>
-          <a:p>
-            <a:pPr lvl="1"/>
-            <a:r>
-              <a:rPr lang="en-US" dirty="0" smtClean="0"/>
-              <a:t>Error function can not be discrete </a:t>
-            </a:r>
-          </a:p>
-          <a:p>
-            <a:pPr lvl="1"/>
-            <a:r>
-              <a:rPr lang="en-US" dirty="0" smtClean="0"/>
-              <a:t>Error function must be differentiable </a:t>
-            </a:r>
-            <a:endParaRPr lang="en-US" dirty="0"/>
-          </a:p>
-        </p:txBody>
-      </p:sp>
-    </p:spTree>
-    <p:extLst>
-      <p:ext uri="{BB962C8B-B14F-4D97-AF65-F5344CB8AC3E}">
-        <p14:creationId xmlns:p14="http://schemas.microsoft.com/office/powerpoint/2010/main" val="1863716727"/>
-      </p:ext>
-    </p:extLst>
-  </p:cSld>
-  <p:clrMapOvr>
-    <a:masterClrMapping/>
-  </p:clrMapOvr>
-</p:sld>
-</file>
-
-<file path=ppt/slides/slide18.xml><?xml version="1.0" encoding="utf-8"?>
-<p:sld xmlns:a="http://schemas.openxmlformats.org/drawingml/2006/main" xmlns:r="http://schemas.openxmlformats.org/officeDocument/2006/relationships" xmlns:p="http://schemas.openxmlformats.org/presentationml/2006/main">
-  <p:cSld>
-    <p:spTree>
-      <p:nvGrpSpPr>
-        <p:cNvPr id="1" name=""/>
-        <p:cNvGrpSpPr/>
-        <p:nvPr/>
-      </p:nvGrpSpPr>
-      <p:grpSpPr>
-        <a:xfrm>
-          <a:off x="0" y="0"/>
-          <a:ext cx="0" cy="0"/>
-          <a:chOff x="0" y="0"/>
-          <a:chExt cx="0" cy="0"/>
-        </a:xfrm>
-      </p:grpSpPr>
-      <p:sp>
-        <p:nvSpPr>
-          <p:cNvPr id="2" name="Title 1"/>
-          <p:cNvSpPr>
-            <a:spLocks noGrp="1"/>
-          </p:cNvSpPr>
-          <p:nvPr>
-            <p:ph type="title"/>
-          </p:nvPr>
-        </p:nvSpPr>
-        <p:spPr/>
-        <p:txBody>
-          <a:bodyPr/>
-          <a:lstStyle/>
-          <a:p>
-            <a:r>
-              <a:rPr lang="en-US" dirty="0" smtClean="0"/>
-              <a:t>Log loss error function</a:t>
-            </a:r>
-            <a:endParaRPr lang="en-US" dirty="0"/>
-          </a:p>
-        </p:txBody>
-      </p:sp>
-      <p:sp>
-        <p:nvSpPr>
-          <p:cNvPr id="3" name="Content Placeholder 2"/>
-          <p:cNvSpPr>
-            <a:spLocks noGrp="1"/>
-          </p:cNvSpPr>
-          <p:nvPr>
-            <p:ph idx="1"/>
-          </p:nvPr>
-        </p:nvSpPr>
-        <p:spPr/>
-        <p:txBody>
-          <a:bodyPr/>
-          <a:lstStyle/>
-          <a:p>
-            <a:endParaRPr lang="en-US"/>
-          </a:p>
-        </p:txBody>
-      </p:sp>
-    </p:spTree>
-    <p:extLst>
-      <p:ext uri="{BB962C8B-B14F-4D97-AF65-F5344CB8AC3E}">
-        <p14:creationId xmlns:p14="http://schemas.microsoft.com/office/powerpoint/2010/main" val="2883764613"/>
-      </p:ext>
-    </p:extLst>
-  </p:cSld>
-  <p:clrMapOvr>
-    <a:masterClrMapping/>
-  </p:clrMapOvr>
-</p:sld>
-</file>
-
 <file path=ppt/slides/slide19.xml><?xml version="1.0" encoding="utf-8"?>
 <p:sld xmlns:a="http://schemas.openxmlformats.org/drawingml/2006/main" xmlns:r="http://schemas.openxmlformats.org/officeDocument/2006/relationships" xmlns:p="http://schemas.openxmlformats.org/presentationml/2006/main">
   <p:cSld>
@@ -4414,7 +4602,7 @@
           <a:p>
             <a:r>
               <a:rPr lang="en-US" dirty="0" smtClean="0"/>
-              <a:t>Discrete vs Continuous Results</a:t>
+              <a:t>Non Linear regions</a:t>
             </a:r>
             <a:endParaRPr lang="en-US" dirty="0"/>
           </a:p>
@@ -4432,57 +4620,25 @@
         </p:nvSpPr>
         <p:spPr/>
         <p:txBody>
-          <a:bodyPr>
-            <a:normAutofit fontScale="92500" lnSpcReduction="20000"/>
-          </a:bodyPr>
-          <a:lstStyle/>
-          <a:p>
-            <a:r>
-              <a:rPr lang="en-US" dirty="0" smtClean="0"/>
-              <a:t>Prediction is the value we get from algorithm</a:t>
-            </a:r>
-          </a:p>
-          <a:p>
-            <a:r>
-              <a:rPr lang="en-US" dirty="0" smtClean="0"/>
-              <a:t>Can have to type Discrete (Yes or no) or Continues values (values between 0 and 1 0.65)</a:t>
-            </a:r>
-          </a:p>
-          <a:p>
-            <a:r>
-              <a:rPr lang="en-US" dirty="0" smtClean="0"/>
-              <a:t>Activation function turns perceptron result to prediction </a:t>
-            </a:r>
-          </a:p>
-          <a:p>
-            <a:r>
-              <a:rPr lang="en-US" dirty="0" smtClean="0"/>
-              <a:t>We have used </a:t>
-            </a:r>
-            <a:r>
-              <a:rPr lang="en-US" dirty="0" err="1" smtClean="0"/>
-              <a:t>setp</a:t>
-            </a:r>
-            <a:r>
-              <a:rPr lang="en-US" dirty="0" smtClean="0"/>
-              <a:t> function for predictions so far (if </a:t>
-            </a:r>
-            <a:r>
-              <a:rPr lang="en-US" dirty="0" err="1" smtClean="0"/>
-              <a:t>WX+b</a:t>
-            </a:r>
-            <a:r>
-              <a:rPr lang="en-US" dirty="0" smtClean="0"/>
-              <a:t>&gt;=0 then y=1)</a:t>
-            </a:r>
-          </a:p>
-          <a:p>
-            <a:r>
-              <a:rPr lang="en-US" dirty="0" smtClean="0"/>
-              <a:t>Now to make the prediction continues we need to use the sigmoid function instead of step function </a:t>
-            </a:r>
-          </a:p>
-          <a:p>
+          <a:bodyPr/>
+          <a:lstStyle/>
+          <a:p>
+            <a:r>
+              <a:rPr lang="en-US" dirty="0" smtClean="0"/>
+              <a:t>If we require more complex models than lines</a:t>
+            </a:r>
+          </a:p>
+          <a:p>
+            <a:r>
+              <a:rPr lang="en-US" dirty="0" smtClean="0"/>
+              <a:t>Such as circles , two lines or curves </a:t>
+            </a:r>
+          </a:p>
+          <a:p>
+            <a:r>
+              <a:rPr lang="en-US" dirty="0" smtClean="0"/>
+              <a:t>Then perceptron algorithm won’t help us.</a:t>
+            </a:r>
             <a:endParaRPr lang="en-US" dirty="0"/>
           </a:p>
         </p:txBody>
@@ -4490,7 +4646,7 @@
     </p:spTree>
     <p:extLst>
       <p:ext uri="{BB962C8B-B14F-4D97-AF65-F5344CB8AC3E}">
-        <p14:creationId xmlns:p14="http://schemas.microsoft.com/office/powerpoint/2010/main" val="1255693452"/>
+        <p14:creationId xmlns:p14="http://schemas.microsoft.com/office/powerpoint/2010/main" val="2222440972"/>
       </p:ext>
     </p:extLst>
   </p:cSld>
@@ -4534,15 +4690,7 @@
           <a:p>
             <a:r>
               <a:rPr lang="en-US" dirty="0" smtClean="0"/>
-              <a:t>Apply Deep </a:t>
-            </a:r>
-            <a:r>
-              <a:rPr lang="en-US" dirty="0" err="1" smtClean="0"/>
-              <a:t>Learing</a:t>
-            </a:r>
-            <a:r>
-              <a:rPr lang="en-US" dirty="0" smtClean="0"/>
-              <a:t> </a:t>
+              <a:t>A new language </a:t>
             </a:r>
             <a:endParaRPr lang="en-US" dirty="0"/>
           </a:p>
@@ -4563,14 +4711,35 @@
           <a:bodyPr/>
           <a:lstStyle/>
           <a:p>
-            <a:endParaRPr lang="en-US"/>
+            <a:r>
+              <a:rPr lang="en-US" dirty="0" smtClean="0"/>
+              <a:t>C</a:t>
+            </a:r>
+          </a:p>
+          <a:p>
+            <a:r>
+              <a:rPr lang="en-US" dirty="0" smtClean="0"/>
+              <a:t>C++</a:t>
+            </a:r>
+          </a:p>
+          <a:p>
+            <a:r>
+              <a:rPr lang="en-US" dirty="0" smtClean="0"/>
+              <a:t>Java</a:t>
+            </a:r>
+          </a:p>
+          <a:p>
+            <a:r>
+              <a:rPr lang="en-US" dirty="0" smtClean="0"/>
+              <a:t>Python</a:t>
+            </a:r>
           </a:p>
         </p:txBody>
       </p:sp>
     </p:spTree>
     <p:extLst>
       <p:ext uri="{BB962C8B-B14F-4D97-AF65-F5344CB8AC3E}">
-        <p14:creationId xmlns:p14="http://schemas.microsoft.com/office/powerpoint/2010/main" val="2315800888"/>
+        <p14:creationId xmlns:p14="http://schemas.microsoft.com/office/powerpoint/2010/main" val="2102566052"/>
       </p:ext>
     </p:extLst>
   </p:cSld>
@@ -4581,6 +4750,301 @@
 </file>
 
 <file path=ppt/slides/slide20.xml><?xml version="1.0" encoding="utf-8"?>
+<p:sld xmlns:a="http://schemas.openxmlformats.org/drawingml/2006/main" xmlns:r="http://schemas.openxmlformats.org/officeDocument/2006/relationships" xmlns:p="http://schemas.openxmlformats.org/presentationml/2006/main">
+  <p:cSld>
+    <p:spTree>
+      <p:nvGrpSpPr>
+        <p:cNvPr id="1" name=""/>
+        <p:cNvGrpSpPr/>
+        <p:nvPr/>
+      </p:nvGrpSpPr>
+      <p:grpSpPr>
+        <a:xfrm>
+          <a:off x="0" y="0"/>
+          <a:ext cx="0" cy="0"/>
+          <a:chOff x="0" y="0"/>
+          <a:chExt cx="0" cy="0"/>
+        </a:xfrm>
+      </p:grpSpPr>
+      <p:sp>
+        <p:nvSpPr>
+          <p:cNvPr id="2" name="Title 1"/>
+          <p:cNvSpPr>
+            <a:spLocks noGrp="1"/>
+          </p:cNvSpPr>
+          <p:nvPr>
+            <p:ph type="title"/>
+          </p:nvPr>
+        </p:nvSpPr>
+        <p:spPr/>
+        <p:txBody>
+          <a:bodyPr/>
+          <a:lstStyle/>
+          <a:p>
+            <a:r>
+              <a:rPr lang="en-US" dirty="0" smtClean="0"/>
+              <a:t>Error function</a:t>
+            </a:r>
+            <a:endParaRPr lang="en-US" dirty="0"/>
+          </a:p>
+        </p:txBody>
+      </p:sp>
+      <p:sp>
+        <p:nvSpPr>
+          <p:cNvPr id="3" name="Content Placeholder 2"/>
+          <p:cNvSpPr>
+            <a:spLocks noGrp="1"/>
+          </p:cNvSpPr>
+          <p:nvPr>
+            <p:ph idx="1"/>
+          </p:nvPr>
+        </p:nvSpPr>
+        <p:spPr/>
+        <p:txBody>
+          <a:bodyPr/>
+          <a:lstStyle/>
+          <a:p>
+            <a:r>
+              <a:rPr lang="en-US" dirty="0" smtClean="0"/>
+              <a:t>How far we are from the solution </a:t>
+            </a:r>
+          </a:p>
+          <a:p>
+            <a:r>
+              <a:rPr lang="en-US" dirty="0" smtClean="0"/>
+              <a:t>Log loss error</a:t>
+            </a:r>
+          </a:p>
+          <a:p>
+            <a:pPr lvl="1"/>
+            <a:r>
+              <a:rPr lang="en-US" dirty="0" smtClean="0"/>
+              <a:t>Gradient descent</a:t>
+            </a:r>
+          </a:p>
+          <a:p>
+            <a:pPr lvl="1"/>
+            <a:r>
+              <a:rPr lang="en-US" dirty="0" smtClean="0"/>
+              <a:t>Error function can not be discrete </a:t>
+            </a:r>
+          </a:p>
+          <a:p>
+            <a:pPr lvl="1"/>
+            <a:r>
+              <a:rPr lang="en-US" dirty="0" smtClean="0"/>
+              <a:t>Error function must be differentiable </a:t>
+            </a:r>
+            <a:endParaRPr lang="en-US" dirty="0"/>
+          </a:p>
+        </p:txBody>
+      </p:sp>
+    </p:spTree>
+    <p:extLst>
+      <p:ext uri="{BB962C8B-B14F-4D97-AF65-F5344CB8AC3E}">
+        <p14:creationId xmlns:p14="http://schemas.microsoft.com/office/powerpoint/2010/main" val="1863716727"/>
+      </p:ext>
+    </p:extLst>
+  </p:cSld>
+  <p:clrMapOvr>
+    <a:masterClrMapping/>
+  </p:clrMapOvr>
+</p:sld>
+</file>
+
+<file path=ppt/slides/slide21.xml><?xml version="1.0" encoding="utf-8"?>
+<p:sld xmlns:a="http://schemas.openxmlformats.org/drawingml/2006/main" xmlns:r="http://schemas.openxmlformats.org/officeDocument/2006/relationships" xmlns:p="http://schemas.openxmlformats.org/presentationml/2006/main">
+  <p:cSld>
+    <p:spTree>
+      <p:nvGrpSpPr>
+        <p:cNvPr id="1" name=""/>
+        <p:cNvGrpSpPr/>
+        <p:nvPr/>
+      </p:nvGrpSpPr>
+      <p:grpSpPr>
+        <a:xfrm>
+          <a:off x="0" y="0"/>
+          <a:ext cx="0" cy="0"/>
+          <a:chOff x="0" y="0"/>
+          <a:chExt cx="0" cy="0"/>
+        </a:xfrm>
+      </p:grpSpPr>
+      <p:sp>
+        <p:nvSpPr>
+          <p:cNvPr id="2" name="Title 1"/>
+          <p:cNvSpPr>
+            <a:spLocks noGrp="1"/>
+          </p:cNvSpPr>
+          <p:nvPr>
+            <p:ph type="title"/>
+          </p:nvPr>
+        </p:nvSpPr>
+        <p:spPr/>
+        <p:txBody>
+          <a:bodyPr/>
+          <a:lstStyle/>
+          <a:p>
+            <a:r>
+              <a:rPr lang="en-US" dirty="0" smtClean="0"/>
+              <a:t>Log loss error function</a:t>
+            </a:r>
+            <a:endParaRPr lang="en-US" dirty="0"/>
+          </a:p>
+        </p:txBody>
+      </p:sp>
+      <p:sp>
+        <p:nvSpPr>
+          <p:cNvPr id="3" name="Content Placeholder 2"/>
+          <p:cNvSpPr>
+            <a:spLocks noGrp="1"/>
+          </p:cNvSpPr>
+          <p:nvPr>
+            <p:ph idx="1"/>
+          </p:nvPr>
+        </p:nvSpPr>
+        <p:spPr/>
+        <p:txBody>
+          <a:bodyPr/>
+          <a:lstStyle/>
+          <a:p>
+            <a:endParaRPr lang="en-US"/>
+          </a:p>
+        </p:txBody>
+      </p:sp>
+    </p:spTree>
+    <p:extLst>
+      <p:ext uri="{BB962C8B-B14F-4D97-AF65-F5344CB8AC3E}">
+        <p14:creationId xmlns:p14="http://schemas.microsoft.com/office/powerpoint/2010/main" val="2883764613"/>
+      </p:ext>
+    </p:extLst>
+  </p:cSld>
+  <p:clrMapOvr>
+    <a:masterClrMapping/>
+  </p:clrMapOvr>
+</p:sld>
+</file>
+
+<file path=ppt/slides/slide22.xml><?xml version="1.0" encoding="utf-8"?>
+<p:sld xmlns:a="http://schemas.openxmlformats.org/drawingml/2006/main" xmlns:r="http://schemas.openxmlformats.org/officeDocument/2006/relationships" xmlns:p="http://schemas.openxmlformats.org/presentationml/2006/main">
+  <p:cSld>
+    <p:spTree>
+      <p:nvGrpSpPr>
+        <p:cNvPr id="1" name=""/>
+        <p:cNvGrpSpPr/>
+        <p:nvPr/>
+      </p:nvGrpSpPr>
+      <p:grpSpPr>
+        <a:xfrm>
+          <a:off x="0" y="0"/>
+          <a:ext cx="0" cy="0"/>
+          <a:chOff x="0" y="0"/>
+          <a:chExt cx="0" cy="0"/>
+        </a:xfrm>
+      </p:grpSpPr>
+      <p:sp>
+        <p:nvSpPr>
+          <p:cNvPr id="2" name="Title 1"/>
+          <p:cNvSpPr>
+            <a:spLocks noGrp="1"/>
+          </p:cNvSpPr>
+          <p:nvPr>
+            <p:ph type="title"/>
+          </p:nvPr>
+        </p:nvSpPr>
+        <p:spPr/>
+        <p:txBody>
+          <a:bodyPr/>
+          <a:lstStyle/>
+          <a:p>
+            <a:r>
+              <a:rPr lang="en-US" dirty="0" smtClean="0"/>
+              <a:t>Discrete vs Continuous Results</a:t>
+            </a:r>
+            <a:endParaRPr lang="en-US" dirty="0"/>
+          </a:p>
+        </p:txBody>
+      </p:sp>
+      <p:sp>
+        <p:nvSpPr>
+          <p:cNvPr id="3" name="Content Placeholder 2"/>
+          <p:cNvSpPr>
+            <a:spLocks noGrp="1"/>
+          </p:cNvSpPr>
+          <p:nvPr>
+            <p:ph idx="1"/>
+          </p:nvPr>
+        </p:nvSpPr>
+        <p:spPr/>
+        <p:txBody>
+          <a:bodyPr>
+            <a:normAutofit fontScale="92500" lnSpcReduction="20000"/>
+          </a:bodyPr>
+          <a:lstStyle/>
+          <a:p>
+            <a:r>
+              <a:rPr lang="en-US" dirty="0" smtClean="0"/>
+              <a:t>Prediction is the value we get from algorithm</a:t>
+            </a:r>
+          </a:p>
+          <a:p>
+            <a:r>
+              <a:rPr lang="en-US" dirty="0" smtClean="0"/>
+              <a:t>Can have to type Discrete (Yes or no) or Continues values (values between 0 and 1 0.65)</a:t>
+            </a:r>
+          </a:p>
+          <a:p>
+            <a:r>
+              <a:rPr lang="en-US" dirty="0" smtClean="0"/>
+              <a:t>Activation function turns perceptron result to prediction </a:t>
+            </a:r>
+          </a:p>
+          <a:p>
+            <a:r>
+              <a:rPr lang="en-US" dirty="0" smtClean="0"/>
+              <a:t>We have used </a:t>
+            </a:r>
+            <a:r>
+              <a:rPr lang="en-US" dirty="0" err="1" smtClean="0"/>
+              <a:t>setp</a:t>
+            </a:r>
+            <a:r>
+              <a:rPr lang="en-US" dirty="0" smtClean="0"/>
+              <a:t> function for predictions so far (if </a:t>
+            </a:r>
+            <a:r>
+              <a:rPr lang="en-US" dirty="0" err="1" smtClean="0"/>
+              <a:t>WX+b</a:t>
+            </a:r>
+            <a:r>
+              <a:rPr lang="en-US" dirty="0" smtClean="0"/>
+              <a:t>&gt;=0 then y=1)</a:t>
+            </a:r>
+          </a:p>
+          <a:p>
+            <a:r>
+              <a:rPr lang="en-US" dirty="0" smtClean="0"/>
+              <a:t>Now to make the prediction continues we need to use the sigmoid function instead of step function </a:t>
+            </a:r>
+          </a:p>
+          <a:p>
+            <a:endParaRPr lang="en-US" dirty="0"/>
+          </a:p>
+        </p:txBody>
+      </p:sp>
+    </p:spTree>
+    <p:extLst>
+      <p:ext uri="{BB962C8B-B14F-4D97-AF65-F5344CB8AC3E}">
+        <p14:creationId xmlns:p14="http://schemas.microsoft.com/office/powerpoint/2010/main" val="1255693452"/>
+      </p:ext>
+    </p:extLst>
+  </p:cSld>
+  <p:clrMapOvr>
+    <a:masterClrMapping/>
+  </p:clrMapOvr>
+</p:sld>
+</file>
+
+<file path=ppt/slides/slide23.xml><?xml version="1.0" encoding="utf-8"?>
 <p:sld xmlns:a="http://schemas.openxmlformats.org/drawingml/2006/main" xmlns:r="http://schemas.openxmlformats.org/officeDocument/2006/relationships" xmlns:p="http://schemas.openxmlformats.org/presentationml/2006/main">
   <p:cSld>
     <p:spTree>
@@ -4689,7 +5153,7 @@
 </p:sld>
 </file>
 
-<file path=ppt/slides/slide21.xml><?xml version="1.0" encoding="utf-8"?>
+<file path=ppt/slides/slide24.xml><?xml version="1.0" encoding="utf-8"?>
 <p:sld xmlns:a="http://schemas.openxmlformats.org/drawingml/2006/main" xmlns:r="http://schemas.openxmlformats.org/officeDocument/2006/relationships" xmlns:p="http://schemas.openxmlformats.org/presentationml/2006/main">
   <p:cSld>
     <p:spTree>
@@ -4794,7 +5258,7 @@
 </p:sld>
 </file>
 
-<file path=ppt/slides/slide22.xml><?xml version="1.0" encoding="utf-8"?>
+<file path=ppt/slides/slide25.xml><?xml version="1.0" encoding="utf-8"?>
 <p:sld xmlns:a="http://schemas.openxmlformats.org/drawingml/2006/main" xmlns:r="http://schemas.openxmlformats.org/officeDocument/2006/relationships" xmlns:p="http://schemas.openxmlformats.org/presentationml/2006/main">
   <p:cSld>
     <p:spTree>
@@ -4920,366 +5384,6 @@
 </p:sld>
 </file>
 
-<file path=ppt/slides/slide23.xml><?xml version="1.0" encoding="utf-8"?>
-<p:sld xmlns:a="http://schemas.openxmlformats.org/drawingml/2006/main" xmlns:r="http://schemas.openxmlformats.org/officeDocument/2006/relationships" xmlns:p="http://schemas.openxmlformats.org/presentationml/2006/main">
-  <p:cSld>
-    <p:spTree>
-      <p:nvGrpSpPr>
-        <p:cNvPr id="1" name=""/>
-        <p:cNvGrpSpPr/>
-        <p:nvPr/>
-      </p:nvGrpSpPr>
-      <p:grpSpPr>
-        <a:xfrm>
-          <a:off x="0" y="0"/>
-          <a:ext cx="0" cy="0"/>
-          <a:chOff x="0" y="0"/>
-          <a:chExt cx="0" cy="0"/>
-        </a:xfrm>
-      </p:grpSpPr>
-      <p:sp>
-        <p:nvSpPr>
-          <p:cNvPr id="2" name="Title 1"/>
-          <p:cNvSpPr>
-            <a:spLocks noGrp="1"/>
-          </p:cNvSpPr>
-          <p:nvPr>
-            <p:ph type="title"/>
-          </p:nvPr>
-        </p:nvSpPr>
-        <p:spPr/>
-        <p:txBody>
-          <a:bodyPr/>
-          <a:lstStyle/>
-          <a:p>
-            <a:r>
-              <a:rPr lang="en-US" dirty="0" err="1" smtClean="0"/>
-              <a:t>Softmax</a:t>
-            </a:r>
-            <a:r>
-              <a:rPr lang="en-US" dirty="0" smtClean="0"/>
-              <a:t> function</a:t>
-            </a:r>
-            <a:endParaRPr lang="en-US" dirty="0"/>
-          </a:p>
-        </p:txBody>
-      </p:sp>
-      <p:sp>
-        <p:nvSpPr>
-          <p:cNvPr id="3" name="Content Placeholder 2"/>
-          <p:cNvSpPr>
-            <a:spLocks noGrp="1"/>
-          </p:cNvSpPr>
-          <p:nvPr>
-            <p:ph idx="1"/>
-          </p:nvPr>
-        </p:nvSpPr>
-        <p:spPr/>
-        <p:txBody>
-          <a:bodyPr/>
-          <a:lstStyle/>
-          <a:p>
-            <a:r>
-              <a:rPr lang="en-US" dirty="0" smtClean="0"/>
-              <a:t>It is </a:t>
-            </a:r>
-            <a:r>
-              <a:rPr lang="en-US" dirty="0" err="1" smtClean="0"/>
-              <a:t>equivelent</a:t>
-            </a:r>
-            <a:r>
-              <a:rPr lang="en-US" dirty="0" smtClean="0"/>
-              <a:t> to sigmoid activation function  but when the problem has 3 or more classes </a:t>
-            </a:r>
-          </a:p>
-          <a:p>
-            <a:r>
-              <a:rPr lang="en-US" dirty="0" smtClean="0"/>
-              <a:t>Sigmoid works when have only 2 classes </a:t>
-            </a:r>
-          </a:p>
-          <a:p>
-            <a:endParaRPr lang="en-US" dirty="0"/>
-          </a:p>
-        </p:txBody>
-      </p:sp>
-    </p:spTree>
-    <p:extLst>
-      <p:ext uri="{BB962C8B-B14F-4D97-AF65-F5344CB8AC3E}">
-        <p14:creationId xmlns:p14="http://schemas.microsoft.com/office/powerpoint/2010/main" val="152170247"/>
-      </p:ext>
-    </p:extLst>
-  </p:cSld>
-  <p:clrMapOvr>
-    <a:masterClrMapping/>
-  </p:clrMapOvr>
-</p:sld>
-</file>
-
-<file path=ppt/slides/slide24.xml><?xml version="1.0" encoding="utf-8"?>
-<p:sld xmlns:a="http://schemas.openxmlformats.org/drawingml/2006/main" xmlns:r="http://schemas.openxmlformats.org/officeDocument/2006/relationships" xmlns:p="http://schemas.openxmlformats.org/presentationml/2006/main">
-  <p:cSld>
-    <p:spTree>
-      <p:nvGrpSpPr>
-        <p:cNvPr id="1" name=""/>
-        <p:cNvGrpSpPr/>
-        <p:nvPr/>
-      </p:nvGrpSpPr>
-      <p:grpSpPr>
-        <a:xfrm>
-          <a:off x="0" y="0"/>
-          <a:ext cx="0" cy="0"/>
-          <a:chOff x="0" y="0"/>
-          <a:chExt cx="0" cy="0"/>
-        </a:xfrm>
-      </p:grpSpPr>
-      <p:sp>
-        <p:nvSpPr>
-          <p:cNvPr id="2" name="Title 1"/>
-          <p:cNvSpPr>
-            <a:spLocks noGrp="1"/>
-          </p:cNvSpPr>
-          <p:nvPr>
-            <p:ph type="title"/>
-          </p:nvPr>
-        </p:nvSpPr>
-        <p:spPr/>
-        <p:txBody>
-          <a:bodyPr/>
-          <a:lstStyle/>
-          <a:p>
-            <a:r>
-              <a:rPr lang="en-US" dirty="0" err="1" smtClean="0"/>
-              <a:t>Softmax</a:t>
-            </a:r>
-            <a:r>
-              <a:rPr lang="en-US" dirty="0" smtClean="0"/>
-              <a:t> function </a:t>
-            </a:r>
-            <a:endParaRPr lang="en-US" dirty="0"/>
-          </a:p>
-        </p:txBody>
-      </p:sp>
-      <p:sp>
-        <p:nvSpPr>
-          <p:cNvPr id="3" name="Content Placeholder 2"/>
-          <p:cNvSpPr>
-            <a:spLocks noGrp="1"/>
-          </p:cNvSpPr>
-          <p:nvPr>
-            <p:ph idx="1"/>
-          </p:nvPr>
-        </p:nvSpPr>
-        <p:spPr/>
-        <p:txBody>
-          <a:bodyPr>
-            <a:normAutofit fontScale="85000" lnSpcReduction="20000"/>
-          </a:bodyPr>
-          <a:lstStyle/>
-          <a:p>
-            <a:r>
-              <a:rPr lang="en-US" dirty="0" smtClean="0"/>
-              <a:t>Classification problem require all the inputs must be probabilities, that means all the inputs be add to 1</a:t>
-            </a:r>
-          </a:p>
-          <a:p>
-            <a:r>
-              <a:rPr lang="en-US" dirty="0" smtClean="0"/>
-              <a:t>We can divide every value with the some of all the values, to satisfy above condition </a:t>
-            </a:r>
-          </a:p>
-          <a:p>
-            <a:r>
-              <a:rPr lang="en-US" dirty="0" smtClean="0"/>
-              <a:t>But what will happen if some of the inputs are negative values.</a:t>
-            </a:r>
-          </a:p>
-          <a:p>
-            <a:r>
-              <a:rPr lang="en-US" dirty="0" err="1" smtClean="0"/>
-              <a:t>Exp</a:t>
-            </a:r>
-            <a:r>
-              <a:rPr lang="en-US" dirty="0" smtClean="0"/>
-              <a:t> function can turn all the values into positive values.</a:t>
-            </a:r>
-          </a:p>
-          <a:p>
-            <a:r>
-              <a:rPr lang="en-US" dirty="0" smtClean="0"/>
-              <a:t>So we can apply </a:t>
-            </a:r>
-            <a:r>
-              <a:rPr lang="en-US" dirty="0" err="1" smtClean="0"/>
-              <a:t>exp</a:t>
-            </a:r>
-            <a:r>
-              <a:rPr lang="en-US" dirty="0" smtClean="0"/>
-              <a:t> function on every value before summing them and dividing with reach value as described above. </a:t>
-            </a:r>
-          </a:p>
-          <a:p>
-            <a:r>
-              <a:rPr lang="en-US" dirty="0" smtClean="0"/>
-              <a:t>This function is called the </a:t>
-            </a:r>
-            <a:r>
-              <a:rPr lang="en-US" dirty="0" err="1" smtClean="0"/>
-              <a:t>softmax</a:t>
-            </a:r>
-            <a:r>
-              <a:rPr lang="en-US" dirty="0" smtClean="0"/>
-              <a:t> function </a:t>
-            </a:r>
-            <a:endParaRPr lang="en-US" dirty="0"/>
-          </a:p>
-        </p:txBody>
-      </p:sp>
-    </p:spTree>
-    <p:extLst>
-      <p:ext uri="{BB962C8B-B14F-4D97-AF65-F5344CB8AC3E}">
-        <p14:creationId xmlns:p14="http://schemas.microsoft.com/office/powerpoint/2010/main" val="2753930017"/>
-      </p:ext>
-    </p:extLst>
-  </p:cSld>
-  <p:clrMapOvr>
-    <a:masterClrMapping/>
-  </p:clrMapOvr>
-</p:sld>
-</file>
-
-<file path=ppt/slides/slide25.xml><?xml version="1.0" encoding="utf-8"?>
-<p:sld xmlns:a="http://schemas.openxmlformats.org/drawingml/2006/main" xmlns:r="http://schemas.openxmlformats.org/officeDocument/2006/relationships" xmlns:p="http://schemas.openxmlformats.org/presentationml/2006/main">
-  <p:cSld>
-    <p:spTree>
-      <p:nvGrpSpPr>
-        <p:cNvPr id="1" name=""/>
-        <p:cNvGrpSpPr/>
-        <p:nvPr/>
-      </p:nvGrpSpPr>
-      <p:grpSpPr>
-        <a:xfrm>
-          <a:off x="0" y="0"/>
-          <a:ext cx="0" cy="0"/>
-          <a:chOff x="0" y="0"/>
-          <a:chExt cx="0" cy="0"/>
-        </a:xfrm>
-      </p:grpSpPr>
-      <p:sp>
-        <p:nvSpPr>
-          <p:cNvPr id="2" name="Title 1"/>
-          <p:cNvSpPr>
-            <a:spLocks noGrp="1"/>
-          </p:cNvSpPr>
-          <p:nvPr>
-            <p:ph type="title"/>
-          </p:nvPr>
-        </p:nvSpPr>
-        <p:spPr/>
-        <p:txBody>
-          <a:bodyPr/>
-          <a:lstStyle/>
-          <a:p>
-            <a:r>
-              <a:rPr lang="en-US" dirty="0" err="1" smtClean="0"/>
-              <a:t>Softmax</a:t>
-            </a:r>
-            <a:r>
-              <a:rPr lang="en-US" dirty="0" smtClean="0"/>
-              <a:t> function </a:t>
-            </a:r>
-            <a:endParaRPr lang="en-US" dirty="0"/>
-          </a:p>
-        </p:txBody>
-      </p:sp>
-      <p:sp>
-        <p:nvSpPr>
-          <p:cNvPr id="3" name="Content Placeholder 2"/>
-          <p:cNvSpPr>
-            <a:spLocks noGrp="1"/>
-          </p:cNvSpPr>
-          <p:nvPr>
-            <p:ph idx="1"/>
-          </p:nvPr>
-        </p:nvSpPr>
-        <p:spPr/>
-        <p:txBody>
-          <a:bodyPr>
-            <a:normAutofit fontScale="85000" lnSpcReduction="20000"/>
-          </a:bodyPr>
-          <a:lstStyle/>
-          <a:p>
-            <a:r>
-              <a:rPr lang="en-US" dirty="0" smtClean="0"/>
-              <a:t>Classification problem require all the inputs must be probabilities, that means all the inputs be add to 1</a:t>
-            </a:r>
-          </a:p>
-          <a:p>
-            <a:r>
-              <a:rPr lang="en-US" dirty="0" smtClean="0"/>
-              <a:t>We can divide every value with the some of all the values, to satisfy above condition </a:t>
-            </a:r>
-          </a:p>
-          <a:p>
-            <a:r>
-              <a:rPr lang="en-US" dirty="0" smtClean="0"/>
-              <a:t>But what will happen if some of the inputs are negative values.</a:t>
-            </a:r>
-          </a:p>
-          <a:p>
-            <a:r>
-              <a:rPr lang="en-US" dirty="0" err="1" smtClean="0"/>
-              <a:t>Exp</a:t>
-            </a:r>
-            <a:r>
-              <a:rPr lang="en-US" dirty="0" smtClean="0"/>
-              <a:t> function can turn all the values into positive values.</a:t>
-            </a:r>
-          </a:p>
-          <a:p>
-            <a:r>
-              <a:rPr lang="en-US" dirty="0" smtClean="0"/>
-              <a:t>So we can apply </a:t>
-            </a:r>
-            <a:r>
-              <a:rPr lang="en-US" dirty="0" err="1" smtClean="0"/>
-              <a:t>exp</a:t>
-            </a:r>
-            <a:r>
-              <a:rPr lang="en-US" dirty="0" smtClean="0"/>
-              <a:t> function on every value before summing them and dividing with reach value as described above. </a:t>
-            </a:r>
-          </a:p>
-          <a:p>
-            <a:r>
-              <a:rPr lang="en-US" dirty="0" smtClean="0"/>
-              <a:t>This function is called the </a:t>
-            </a:r>
-            <a:r>
-              <a:rPr lang="en-US" dirty="0" err="1" smtClean="0"/>
-              <a:t>softmax</a:t>
-            </a:r>
-            <a:r>
-              <a:rPr lang="en-US" dirty="0" smtClean="0"/>
-              <a:t> function </a:t>
-            </a:r>
-            <a:endParaRPr lang="en-US" dirty="0"/>
-          </a:p>
-        </p:txBody>
-      </p:sp>
-    </p:spTree>
-    <p:extLst>
-      <p:ext uri="{BB962C8B-B14F-4D97-AF65-F5344CB8AC3E}">
-        <p14:creationId xmlns:p14="http://schemas.microsoft.com/office/powerpoint/2010/main" val="1532332428"/>
-      </p:ext>
-    </p:extLst>
-  </p:cSld>
-  <p:clrMapOvr>
-    <a:masterClrMapping/>
-  </p:clrMapOvr>
-</p:sld>
-</file>
-
 <file path=ppt/slides/slide26.xml><?xml version="1.0" encoding="utf-8"?>
 <p:sld xmlns:a="http://schemas.openxmlformats.org/drawingml/2006/main" xmlns:r="http://schemas.openxmlformats.org/officeDocument/2006/relationships" xmlns:p="http://schemas.openxmlformats.org/presentationml/2006/main">
   <p:cSld>
@@ -5313,6 +5417,366 @@
           <a:lstStyle/>
           <a:p>
             <a:r>
+              <a:rPr lang="en-US" dirty="0" err="1" smtClean="0"/>
+              <a:t>Softmax</a:t>
+            </a:r>
+            <a:r>
+              <a:rPr lang="en-US" dirty="0" smtClean="0"/>
+              <a:t> function</a:t>
+            </a:r>
+            <a:endParaRPr lang="en-US" dirty="0"/>
+          </a:p>
+        </p:txBody>
+      </p:sp>
+      <p:sp>
+        <p:nvSpPr>
+          <p:cNvPr id="3" name="Content Placeholder 2"/>
+          <p:cNvSpPr>
+            <a:spLocks noGrp="1"/>
+          </p:cNvSpPr>
+          <p:nvPr>
+            <p:ph idx="1"/>
+          </p:nvPr>
+        </p:nvSpPr>
+        <p:spPr/>
+        <p:txBody>
+          <a:bodyPr/>
+          <a:lstStyle/>
+          <a:p>
+            <a:r>
+              <a:rPr lang="en-US" dirty="0" smtClean="0"/>
+              <a:t>It is </a:t>
+            </a:r>
+            <a:r>
+              <a:rPr lang="en-US" dirty="0" err="1" smtClean="0"/>
+              <a:t>equivelent</a:t>
+            </a:r>
+            <a:r>
+              <a:rPr lang="en-US" dirty="0" smtClean="0"/>
+              <a:t> to sigmoid activation function  but when the problem has 3 or more classes </a:t>
+            </a:r>
+          </a:p>
+          <a:p>
+            <a:r>
+              <a:rPr lang="en-US" dirty="0" smtClean="0"/>
+              <a:t>Sigmoid works when have only 2 classes </a:t>
+            </a:r>
+          </a:p>
+          <a:p>
+            <a:endParaRPr lang="en-US" dirty="0"/>
+          </a:p>
+        </p:txBody>
+      </p:sp>
+    </p:spTree>
+    <p:extLst>
+      <p:ext uri="{BB962C8B-B14F-4D97-AF65-F5344CB8AC3E}">
+        <p14:creationId xmlns:p14="http://schemas.microsoft.com/office/powerpoint/2010/main" val="152170247"/>
+      </p:ext>
+    </p:extLst>
+  </p:cSld>
+  <p:clrMapOvr>
+    <a:masterClrMapping/>
+  </p:clrMapOvr>
+</p:sld>
+</file>
+
+<file path=ppt/slides/slide27.xml><?xml version="1.0" encoding="utf-8"?>
+<p:sld xmlns:a="http://schemas.openxmlformats.org/drawingml/2006/main" xmlns:r="http://schemas.openxmlformats.org/officeDocument/2006/relationships" xmlns:p="http://schemas.openxmlformats.org/presentationml/2006/main">
+  <p:cSld>
+    <p:spTree>
+      <p:nvGrpSpPr>
+        <p:cNvPr id="1" name=""/>
+        <p:cNvGrpSpPr/>
+        <p:nvPr/>
+      </p:nvGrpSpPr>
+      <p:grpSpPr>
+        <a:xfrm>
+          <a:off x="0" y="0"/>
+          <a:ext cx="0" cy="0"/>
+          <a:chOff x="0" y="0"/>
+          <a:chExt cx="0" cy="0"/>
+        </a:xfrm>
+      </p:grpSpPr>
+      <p:sp>
+        <p:nvSpPr>
+          <p:cNvPr id="2" name="Title 1"/>
+          <p:cNvSpPr>
+            <a:spLocks noGrp="1"/>
+          </p:cNvSpPr>
+          <p:nvPr>
+            <p:ph type="title"/>
+          </p:nvPr>
+        </p:nvSpPr>
+        <p:spPr/>
+        <p:txBody>
+          <a:bodyPr/>
+          <a:lstStyle/>
+          <a:p>
+            <a:r>
+              <a:rPr lang="en-US" dirty="0" err="1" smtClean="0"/>
+              <a:t>Softmax</a:t>
+            </a:r>
+            <a:r>
+              <a:rPr lang="en-US" dirty="0" smtClean="0"/>
+              <a:t> function </a:t>
+            </a:r>
+            <a:endParaRPr lang="en-US" dirty="0"/>
+          </a:p>
+        </p:txBody>
+      </p:sp>
+      <p:sp>
+        <p:nvSpPr>
+          <p:cNvPr id="3" name="Content Placeholder 2"/>
+          <p:cNvSpPr>
+            <a:spLocks noGrp="1"/>
+          </p:cNvSpPr>
+          <p:nvPr>
+            <p:ph idx="1"/>
+          </p:nvPr>
+        </p:nvSpPr>
+        <p:spPr/>
+        <p:txBody>
+          <a:bodyPr>
+            <a:normAutofit fontScale="85000" lnSpcReduction="20000"/>
+          </a:bodyPr>
+          <a:lstStyle/>
+          <a:p>
+            <a:r>
+              <a:rPr lang="en-US" dirty="0" smtClean="0"/>
+              <a:t>Classification problem require all the inputs must be probabilities, that means all the inputs be add to 1</a:t>
+            </a:r>
+          </a:p>
+          <a:p>
+            <a:r>
+              <a:rPr lang="en-US" dirty="0" smtClean="0"/>
+              <a:t>We can divide every value with the some of all the values, to satisfy above condition </a:t>
+            </a:r>
+          </a:p>
+          <a:p>
+            <a:r>
+              <a:rPr lang="en-US" dirty="0" smtClean="0"/>
+              <a:t>But what will happen if some of the inputs are negative values.</a:t>
+            </a:r>
+          </a:p>
+          <a:p>
+            <a:r>
+              <a:rPr lang="en-US" dirty="0" err="1" smtClean="0"/>
+              <a:t>Exp</a:t>
+            </a:r>
+            <a:r>
+              <a:rPr lang="en-US" dirty="0" smtClean="0"/>
+              <a:t> function can turn all the values into positive values.</a:t>
+            </a:r>
+          </a:p>
+          <a:p>
+            <a:r>
+              <a:rPr lang="en-US" dirty="0" smtClean="0"/>
+              <a:t>So we can apply </a:t>
+            </a:r>
+            <a:r>
+              <a:rPr lang="en-US" dirty="0" err="1" smtClean="0"/>
+              <a:t>exp</a:t>
+            </a:r>
+            <a:r>
+              <a:rPr lang="en-US" dirty="0" smtClean="0"/>
+              <a:t> function on every value before summing them and dividing with reach value as described above. </a:t>
+            </a:r>
+          </a:p>
+          <a:p>
+            <a:r>
+              <a:rPr lang="en-US" dirty="0" smtClean="0"/>
+              <a:t>This function is called the </a:t>
+            </a:r>
+            <a:r>
+              <a:rPr lang="en-US" dirty="0" err="1" smtClean="0"/>
+              <a:t>softmax</a:t>
+            </a:r>
+            <a:r>
+              <a:rPr lang="en-US" dirty="0" smtClean="0"/>
+              <a:t> function </a:t>
+            </a:r>
+            <a:endParaRPr lang="en-US" dirty="0"/>
+          </a:p>
+        </p:txBody>
+      </p:sp>
+    </p:spTree>
+    <p:extLst>
+      <p:ext uri="{BB962C8B-B14F-4D97-AF65-F5344CB8AC3E}">
+        <p14:creationId xmlns:p14="http://schemas.microsoft.com/office/powerpoint/2010/main" val="2753930017"/>
+      </p:ext>
+    </p:extLst>
+  </p:cSld>
+  <p:clrMapOvr>
+    <a:masterClrMapping/>
+  </p:clrMapOvr>
+</p:sld>
+</file>
+
+<file path=ppt/slides/slide28.xml><?xml version="1.0" encoding="utf-8"?>
+<p:sld xmlns:a="http://schemas.openxmlformats.org/drawingml/2006/main" xmlns:r="http://schemas.openxmlformats.org/officeDocument/2006/relationships" xmlns:p="http://schemas.openxmlformats.org/presentationml/2006/main">
+  <p:cSld>
+    <p:spTree>
+      <p:nvGrpSpPr>
+        <p:cNvPr id="1" name=""/>
+        <p:cNvGrpSpPr/>
+        <p:nvPr/>
+      </p:nvGrpSpPr>
+      <p:grpSpPr>
+        <a:xfrm>
+          <a:off x="0" y="0"/>
+          <a:ext cx="0" cy="0"/>
+          <a:chOff x="0" y="0"/>
+          <a:chExt cx="0" cy="0"/>
+        </a:xfrm>
+      </p:grpSpPr>
+      <p:sp>
+        <p:nvSpPr>
+          <p:cNvPr id="2" name="Title 1"/>
+          <p:cNvSpPr>
+            <a:spLocks noGrp="1"/>
+          </p:cNvSpPr>
+          <p:nvPr>
+            <p:ph type="title"/>
+          </p:nvPr>
+        </p:nvSpPr>
+        <p:spPr/>
+        <p:txBody>
+          <a:bodyPr/>
+          <a:lstStyle/>
+          <a:p>
+            <a:r>
+              <a:rPr lang="en-US" dirty="0" err="1" smtClean="0"/>
+              <a:t>Softmax</a:t>
+            </a:r>
+            <a:r>
+              <a:rPr lang="en-US" dirty="0" smtClean="0"/>
+              <a:t> function </a:t>
+            </a:r>
+            <a:endParaRPr lang="en-US" dirty="0"/>
+          </a:p>
+        </p:txBody>
+      </p:sp>
+      <p:sp>
+        <p:nvSpPr>
+          <p:cNvPr id="3" name="Content Placeholder 2"/>
+          <p:cNvSpPr>
+            <a:spLocks noGrp="1"/>
+          </p:cNvSpPr>
+          <p:nvPr>
+            <p:ph idx="1"/>
+          </p:nvPr>
+        </p:nvSpPr>
+        <p:spPr/>
+        <p:txBody>
+          <a:bodyPr>
+            <a:normAutofit fontScale="85000" lnSpcReduction="20000"/>
+          </a:bodyPr>
+          <a:lstStyle/>
+          <a:p>
+            <a:r>
+              <a:rPr lang="en-US" dirty="0" smtClean="0"/>
+              <a:t>Classification problem require all the inputs must be probabilities, that means all the inputs be add to 1</a:t>
+            </a:r>
+          </a:p>
+          <a:p>
+            <a:r>
+              <a:rPr lang="en-US" dirty="0" smtClean="0"/>
+              <a:t>We can divide every value with the some of all the values, to satisfy above condition </a:t>
+            </a:r>
+          </a:p>
+          <a:p>
+            <a:r>
+              <a:rPr lang="en-US" dirty="0" smtClean="0"/>
+              <a:t>But what will happen if some of the inputs are negative values.</a:t>
+            </a:r>
+          </a:p>
+          <a:p>
+            <a:r>
+              <a:rPr lang="en-US" dirty="0" err="1" smtClean="0"/>
+              <a:t>Exp</a:t>
+            </a:r>
+            <a:r>
+              <a:rPr lang="en-US" dirty="0" smtClean="0"/>
+              <a:t> function can turn all the values into positive values.</a:t>
+            </a:r>
+          </a:p>
+          <a:p>
+            <a:r>
+              <a:rPr lang="en-US" dirty="0" smtClean="0"/>
+              <a:t>So we can apply </a:t>
+            </a:r>
+            <a:r>
+              <a:rPr lang="en-US" dirty="0" err="1" smtClean="0"/>
+              <a:t>exp</a:t>
+            </a:r>
+            <a:r>
+              <a:rPr lang="en-US" dirty="0" smtClean="0"/>
+              <a:t> function on every value before summing them and dividing with reach value as described above. </a:t>
+            </a:r>
+          </a:p>
+          <a:p>
+            <a:r>
+              <a:rPr lang="en-US" dirty="0" smtClean="0"/>
+              <a:t>This function is called the </a:t>
+            </a:r>
+            <a:r>
+              <a:rPr lang="en-US" dirty="0" err="1" smtClean="0"/>
+              <a:t>softmax</a:t>
+            </a:r>
+            <a:r>
+              <a:rPr lang="en-US" dirty="0" smtClean="0"/>
+              <a:t> function </a:t>
+            </a:r>
+            <a:endParaRPr lang="en-US" dirty="0"/>
+          </a:p>
+        </p:txBody>
+      </p:sp>
+    </p:spTree>
+    <p:extLst>
+      <p:ext uri="{BB962C8B-B14F-4D97-AF65-F5344CB8AC3E}">
+        <p14:creationId xmlns:p14="http://schemas.microsoft.com/office/powerpoint/2010/main" val="1532332428"/>
+      </p:ext>
+    </p:extLst>
+  </p:cSld>
+  <p:clrMapOvr>
+    <a:masterClrMapping/>
+  </p:clrMapOvr>
+</p:sld>
+</file>
+
+<file path=ppt/slides/slide29.xml><?xml version="1.0" encoding="utf-8"?>
+<p:sld xmlns:a="http://schemas.openxmlformats.org/drawingml/2006/main" xmlns:r="http://schemas.openxmlformats.org/officeDocument/2006/relationships" xmlns:p="http://schemas.openxmlformats.org/presentationml/2006/main">
+  <p:cSld>
+    <p:spTree>
+      <p:nvGrpSpPr>
+        <p:cNvPr id="1" name=""/>
+        <p:cNvGrpSpPr/>
+        <p:nvPr/>
+      </p:nvGrpSpPr>
+      <p:grpSpPr>
+        <a:xfrm>
+          <a:off x="0" y="0"/>
+          <a:ext cx="0" cy="0"/>
+          <a:chOff x="0" y="0"/>
+          <a:chExt cx="0" cy="0"/>
+        </a:xfrm>
+      </p:grpSpPr>
+      <p:sp>
+        <p:nvSpPr>
+          <p:cNvPr id="2" name="Title 1"/>
+          <p:cNvSpPr>
+            <a:spLocks noGrp="1"/>
+          </p:cNvSpPr>
+          <p:nvPr>
+            <p:ph type="title"/>
+          </p:nvPr>
+        </p:nvSpPr>
+        <p:spPr/>
+        <p:txBody>
+          <a:bodyPr/>
+          <a:lstStyle/>
+          <a:p>
+            <a:r>
               <a:rPr lang="en-US" dirty="0" smtClean="0"/>
               <a:t>One-Hot Encoding </a:t>
             </a:r>
@@ -5370,7 +5834,94 @@
 </p:sld>
 </file>
 
-<file path=ppt/slides/slide27.xml><?xml version="1.0" encoding="utf-8"?>
+<file path=ppt/slides/slide3.xml><?xml version="1.0" encoding="utf-8"?>
+<p:sld xmlns:a="http://schemas.openxmlformats.org/drawingml/2006/main" xmlns:r="http://schemas.openxmlformats.org/officeDocument/2006/relationships" xmlns:p="http://schemas.openxmlformats.org/presentationml/2006/main">
+  <p:cSld>
+    <p:spTree>
+      <p:nvGrpSpPr>
+        <p:cNvPr id="1" name=""/>
+        <p:cNvGrpSpPr/>
+        <p:nvPr/>
+      </p:nvGrpSpPr>
+      <p:grpSpPr>
+        <a:xfrm>
+          <a:off x="0" y="0"/>
+          <a:ext cx="0" cy="0"/>
+          <a:chOff x="0" y="0"/>
+          <a:chExt cx="0" cy="0"/>
+        </a:xfrm>
+      </p:grpSpPr>
+      <p:sp>
+        <p:nvSpPr>
+          <p:cNvPr id="2" name="Title 1"/>
+          <p:cNvSpPr>
+            <a:spLocks noGrp="1"/>
+          </p:cNvSpPr>
+          <p:nvPr>
+            <p:ph type="title"/>
+          </p:nvPr>
+        </p:nvSpPr>
+        <p:spPr/>
+        <p:txBody>
+          <a:bodyPr/>
+          <a:lstStyle/>
+          <a:p>
+            <a:r>
+              <a:rPr lang="en-US" dirty="0" smtClean="0"/>
+              <a:t>Why python</a:t>
+            </a:r>
+            <a:endParaRPr lang="en-US" dirty="0"/>
+          </a:p>
+        </p:txBody>
+      </p:sp>
+      <p:sp>
+        <p:nvSpPr>
+          <p:cNvPr id="3" name="Content Placeholder 2"/>
+          <p:cNvSpPr>
+            <a:spLocks noGrp="1"/>
+          </p:cNvSpPr>
+          <p:nvPr>
+            <p:ph idx="1"/>
+          </p:nvPr>
+        </p:nvSpPr>
+        <p:spPr/>
+        <p:txBody>
+          <a:bodyPr/>
+          <a:lstStyle/>
+          <a:p>
+            <a:r>
+              <a:rPr lang="en-US" dirty="0" smtClean="0"/>
+              <a:t>It is simple</a:t>
+            </a:r>
+          </a:p>
+          <a:p>
+            <a:r>
+              <a:rPr lang="en-US" dirty="0" smtClean="0"/>
+              <a:t>Flexible </a:t>
+            </a:r>
+          </a:p>
+          <a:p>
+            <a:r>
+              <a:rPr lang="en-US" dirty="0" smtClean="0"/>
+              <a:t>And math oriented </a:t>
+            </a:r>
+          </a:p>
+        </p:txBody>
+      </p:sp>
+    </p:spTree>
+    <p:extLst>
+      <p:ext uri="{BB962C8B-B14F-4D97-AF65-F5344CB8AC3E}">
+        <p14:creationId xmlns:p14="http://schemas.microsoft.com/office/powerpoint/2010/main" val="2102566052"/>
+      </p:ext>
+    </p:extLst>
+  </p:cSld>
+  <p:clrMapOvr>
+    <a:masterClrMapping/>
+  </p:clrMapOvr>
+</p:sld>
+</file>
+
+<file path=ppt/slides/slide30.xml><?xml version="1.0" encoding="utf-8"?>
 <p:sld xmlns:a="http://schemas.openxmlformats.org/drawingml/2006/main" xmlns:r="http://schemas.openxmlformats.org/officeDocument/2006/relationships" xmlns:p="http://schemas.openxmlformats.org/presentationml/2006/main">
   <p:cSld>
     <p:spTree>
@@ -5496,7 +6047,7 @@
 </p:sld>
 </file>
 
-<file path=ppt/slides/slide28.xml><?xml version="1.0" encoding="utf-8"?>
+<file path=ppt/slides/slide31.xml><?xml version="1.0" encoding="utf-8"?>
 <p:sld xmlns:a="http://schemas.openxmlformats.org/drawingml/2006/main" xmlns:r="http://schemas.openxmlformats.org/officeDocument/2006/relationships" xmlns:p="http://schemas.openxmlformats.org/presentationml/2006/main">
   <p:cSld>
     <p:spTree>
@@ -5604,7 +6155,7 @@
 </p:sld>
 </file>
 
-<file path=ppt/slides/slide29.xml><?xml version="1.0" encoding="utf-8"?>
+<file path=ppt/slides/slide32.xml><?xml version="1.0" encoding="utf-8"?>
 <p:sld xmlns:a="http://schemas.openxmlformats.org/drawingml/2006/main" xmlns:r="http://schemas.openxmlformats.org/officeDocument/2006/relationships" xmlns:p="http://schemas.openxmlformats.org/presentationml/2006/main">
   <p:cSld>
     <p:spTree>
@@ -5676,7 +6227,7 @@
 </p:sld>
 </file>
 
-<file path=ppt/slides/slide3.xml><?xml version="1.0" encoding="utf-8"?>
+<file path=ppt/slides/slide33.xml><?xml version="1.0" encoding="utf-8"?>
 <p:sld xmlns:a="http://schemas.openxmlformats.org/drawingml/2006/main" xmlns:r="http://schemas.openxmlformats.org/officeDocument/2006/relationships" xmlns:p="http://schemas.openxmlformats.org/presentationml/2006/main">
   <p:cSld>
     <p:spTree>
@@ -5710,89 +6261,6 @@
           <a:p>
             <a:r>
               <a:rPr lang="en-US" dirty="0" smtClean="0"/>
-              <a:t>Anaconda</a:t>
-            </a:r>
-            <a:endParaRPr lang="en-US" dirty="0"/>
-          </a:p>
-        </p:txBody>
-      </p:sp>
-      <p:sp>
-        <p:nvSpPr>
-          <p:cNvPr id="3" name="Content Placeholder 2"/>
-          <p:cNvSpPr>
-            <a:spLocks noGrp="1"/>
-          </p:cNvSpPr>
-          <p:nvPr>
-            <p:ph idx="1"/>
-          </p:nvPr>
-        </p:nvSpPr>
-        <p:spPr/>
-        <p:txBody>
-          <a:bodyPr/>
-          <a:lstStyle/>
-          <a:p>
-            <a:r>
-              <a:rPr lang="en-US" i="1" dirty="0" smtClean="0"/>
-              <a:t>Install </a:t>
-            </a:r>
-            <a:r>
-              <a:rPr lang="en-US" i="1" dirty="0" err="1" smtClean="0"/>
-              <a:t>miniconda</a:t>
-            </a:r>
-            <a:endParaRPr lang="en-US" i="1" dirty="0" smtClean="0"/>
-          </a:p>
-          <a:p>
-            <a:endParaRPr lang="en-US" i="1" dirty="0"/>
-          </a:p>
-        </p:txBody>
-      </p:sp>
-    </p:spTree>
-    <p:extLst>
-      <p:ext uri="{BB962C8B-B14F-4D97-AF65-F5344CB8AC3E}">
-        <p14:creationId xmlns:p14="http://schemas.microsoft.com/office/powerpoint/2010/main" val="241262060"/>
-      </p:ext>
-    </p:extLst>
-  </p:cSld>
-  <p:clrMapOvr>
-    <a:masterClrMapping/>
-  </p:clrMapOvr>
-</p:sld>
-</file>
-
-<file path=ppt/slides/slide30.xml><?xml version="1.0" encoding="utf-8"?>
-<p:sld xmlns:a="http://schemas.openxmlformats.org/drawingml/2006/main" xmlns:r="http://schemas.openxmlformats.org/officeDocument/2006/relationships" xmlns:p="http://schemas.openxmlformats.org/presentationml/2006/main">
-  <p:cSld>
-    <p:spTree>
-      <p:nvGrpSpPr>
-        <p:cNvPr id="1" name=""/>
-        <p:cNvGrpSpPr/>
-        <p:nvPr/>
-      </p:nvGrpSpPr>
-      <p:grpSpPr>
-        <a:xfrm>
-          <a:off x="0" y="0"/>
-          <a:ext cx="0" cy="0"/>
-          <a:chOff x="0" y="0"/>
-          <a:chExt cx="0" cy="0"/>
-        </a:xfrm>
-      </p:grpSpPr>
-      <p:sp>
-        <p:nvSpPr>
-          <p:cNvPr id="2" name="Title 1"/>
-          <p:cNvSpPr>
-            <a:spLocks noGrp="1"/>
-          </p:cNvSpPr>
-          <p:nvPr>
-            <p:ph type="title"/>
-          </p:nvPr>
-        </p:nvSpPr>
-        <p:spPr/>
-        <p:txBody>
-          <a:bodyPr/>
-          <a:lstStyle/>
-          <a:p>
-            <a:r>
-              <a:rPr lang="en-US" dirty="0" smtClean="0"/>
               <a:t>Cross Entropy</a:t>
             </a:r>
             <a:endParaRPr lang="en-US" dirty="0"/>
@@ -5855,7 +6323,7 @@
 </p:sld>
 </file>
 
-<file path=ppt/slides/slide31.xml><?xml version="1.0" encoding="utf-8"?>
+<file path=ppt/slides/slide34.xml><?xml version="1.0" encoding="utf-8"?>
 <p:sld xmlns:a="http://schemas.openxmlformats.org/drawingml/2006/main" xmlns:r="http://schemas.openxmlformats.org/officeDocument/2006/relationships" xmlns:p="http://schemas.openxmlformats.org/presentationml/2006/main">
   <p:cSld>
     <p:spTree>
@@ -5962,7 +6430,7 @@
 </p:sld>
 </file>
 
-<file path=ppt/slides/slide32.xml><?xml version="1.0" encoding="utf-8"?>
+<file path=ppt/slides/slide35.xml><?xml version="1.0" encoding="utf-8"?>
 <p:sld xmlns:a="http://schemas.openxmlformats.org/drawingml/2006/main" xmlns:r="http://schemas.openxmlformats.org/officeDocument/2006/relationships" xmlns:p="http://schemas.openxmlformats.org/presentationml/2006/main">
   <p:cSld>
     <p:spTree>
@@ -6069,7 +6537,7 @@
 </p:sld>
 </file>
 
-<file path=ppt/slides/slide33.xml><?xml version="1.0" encoding="utf-8"?>
+<file path=ppt/slides/slide36.xml><?xml version="1.0" encoding="utf-8"?>
 <p:sld xmlns:a="http://schemas.openxmlformats.org/drawingml/2006/main" xmlns:r="http://schemas.openxmlformats.org/officeDocument/2006/relationships" xmlns:p="http://schemas.openxmlformats.org/presentationml/2006/main">
   <p:cSld>
     <p:spTree>
@@ -6176,7 +6644,7 @@
 </p:sld>
 </file>
 
-<file path=ppt/slides/slide34.xml><?xml version="1.0" encoding="utf-8"?>
+<file path=ppt/slides/slide37.xml><?xml version="1.0" encoding="utf-8"?>
 <p:sld xmlns:a="http://schemas.openxmlformats.org/drawingml/2006/main" xmlns:r="http://schemas.openxmlformats.org/officeDocument/2006/relationships" xmlns:p="http://schemas.openxmlformats.org/presentationml/2006/main">
   <p:cSld>
     <p:spTree>
@@ -6302,7 +6770,7 @@
 </p:sld>
 </file>
 
-<file path=ppt/slides/slide35.xml><?xml version="1.0" encoding="utf-8"?>
+<file path=ppt/slides/slide38.xml><?xml version="1.0" encoding="utf-8"?>
 <p:sld xmlns:a="http://schemas.openxmlformats.org/drawingml/2006/main" xmlns:r="http://schemas.openxmlformats.org/officeDocument/2006/relationships" xmlns:p="http://schemas.openxmlformats.org/presentationml/2006/main">
   <p:cSld>
     <p:spTree>
@@ -6428,7 +6896,7 @@
 </p:sld>
 </file>
 
-<file path=ppt/slides/slide36.xml><?xml version="1.0" encoding="utf-8"?>
+<file path=ppt/slides/slide39.xml><?xml version="1.0" encoding="utf-8"?>
 <p:sld xmlns:a="http://schemas.openxmlformats.org/drawingml/2006/main" xmlns:r="http://schemas.openxmlformats.org/officeDocument/2006/relationships" xmlns:p="http://schemas.openxmlformats.org/presentationml/2006/main">
   <p:cSld>
     <p:spTree>
@@ -6554,7 +7022,79 @@
 </p:sld>
 </file>
 
-<file path=ppt/slides/slide37.xml><?xml version="1.0" encoding="utf-8"?>
+<file path=ppt/slides/slide4.xml><?xml version="1.0" encoding="utf-8"?>
+<p:sld xmlns:a="http://schemas.openxmlformats.org/drawingml/2006/main" xmlns:r="http://schemas.openxmlformats.org/officeDocument/2006/relationships" xmlns:p="http://schemas.openxmlformats.org/presentationml/2006/main">
+  <p:cSld>
+    <p:spTree>
+      <p:nvGrpSpPr>
+        <p:cNvPr id="1" name=""/>
+        <p:cNvGrpSpPr/>
+        <p:nvPr/>
+      </p:nvGrpSpPr>
+      <p:grpSpPr>
+        <a:xfrm>
+          <a:off x="0" y="0"/>
+          <a:ext cx="0" cy="0"/>
+          <a:chOff x="0" y="0"/>
+          <a:chExt cx="0" cy="0"/>
+        </a:xfrm>
+      </p:grpSpPr>
+      <p:sp>
+        <p:nvSpPr>
+          <p:cNvPr id="2" name="Title 1"/>
+          <p:cNvSpPr>
+            <a:spLocks noGrp="1"/>
+          </p:cNvSpPr>
+          <p:nvPr>
+            <p:ph type="ctrTitle"/>
+          </p:nvPr>
+        </p:nvSpPr>
+        <p:spPr/>
+        <p:txBody>
+          <a:bodyPr/>
+          <a:lstStyle/>
+          <a:p>
+            <a:r>
+              <a:rPr lang="en-US" dirty="0" smtClean="0"/>
+              <a:t>Intro DL</a:t>
+            </a:r>
+            <a:endParaRPr lang="en-US" dirty="0"/>
+          </a:p>
+        </p:txBody>
+      </p:sp>
+      <p:sp>
+        <p:nvSpPr>
+          <p:cNvPr id="3" name="Subtitle 2"/>
+          <p:cNvSpPr>
+            <a:spLocks noGrp="1"/>
+          </p:cNvSpPr>
+          <p:nvPr>
+            <p:ph type="subTitle" idx="1"/>
+          </p:nvPr>
+        </p:nvSpPr>
+        <p:spPr/>
+        <p:txBody>
+          <a:bodyPr/>
+          <a:lstStyle/>
+          <a:p>
+            <a:endParaRPr lang="en-US"/>
+          </a:p>
+        </p:txBody>
+      </p:sp>
+    </p:spTree>
+    <p:extLst>
+      <p:ext uri="{BB962C8B-B14F-4D97-AF65-F5344CB8AC3E}">
+        <p14:creationId xmlns:p14="http://schemas.microsoft.com/office/powerpoint/2010/main" val="305089871"/>
+      </p:ext>
+    </p:extLst>
+  </p:cSld>
+  <p:clrMapOvr>
+    <a:masterClrMapping/>
+  </p:clrMapOvr>
+</p:sld>
+</file>
+
+<file path=ppt/slides/slide40.xml><?xml version="1.0" encoding="utf-8"?>
 <p:sld xmlns:a="http://schemas.openxmlformats.org/drawingml/2006/main" xmlns:r="http://schemas.openxmlformats.org/officeDocument/2006/relationships" xmlns:p="http://schemas.openxmlformats.org/presentationml/2006/main">
   <p:cSld>
     <p:spTree>
@@ -6731,7 +7271,7 @@
 </p:sld>
 </file>
 
-<file path=ppt/slides/slide38.xml><?xml version="1.0" encoding="utf-8"?>
+<file path=ppt/slides/slide41.xml><?xml version="1.0" encoding="utf-8"?>
 <p:sld xmlns:a="http://schemas.openxmlformats.org/drawingml/2006/main" xmlns:r="http://schemas.openxmlformats.org/officeDocument/2006/relationships" xmlns:p="http://schemas.openxmlformats.org/presentationml/2006/main">
   <p:cSld>
     <p:spTree>
@@ -6850,7 +7390,7 @@
 </p:sld>
 </file>
 
-<file path=ppt/slides/slide39.xml><?xml version="1.0" encoding="utf-8"?>
+<file path=ppt/slides/slide42.xml><?xml version="1.0" encoding="utf-8"?>
 <p:sld xmlns:a="http://schemas.openxmlformats.org/drawingml/2006/main" xmlns:r="http://schemas.openxmlformats.org/officeDocument/2006/relationships" xmlns:p="http://schemas.openxmlformats.org/presentationml/2006/main">
   <p:cSld>
     <p:spTree>
@@ -7012,113 +7552,7 @@
 </p:sld>
 </file>
 
-<file path=ppt/slides/slide4.xml><?xml version="1.0" encoding="utf-8"?>
-<p:sld xmlns:a="http://schemas.openxmlformats.org/drawingml/2006/main" xmlns:r="http://schemas.openxmlformats.org/officeDocument/2006/relationships" xmlns:p="http://schemas.openxmlformats.org/presentationml/2006/main">
-  <p:cSld>
-    <p:spTree>
-      <p:nvGrpSpPr>
-        <p:cNvPr id="1" name=""/>
-        <p:cNvGrpSpPr/>
-        <p:nvPr/>
-      </p:nvGrpSpPr>
-      <p:grpSpPr>
-        <a:xfrm>
-          <a:off x="0" y="0"/>
-          <a:ext cx="0" cy="0"/>
-          <a:chOff x="0" y="0"/>
-          <a:chExt cx="0" cy="0"/>
-        </a:xfrm>
-      </p:grpSpPr>
-      <p:sp>
-        <p:nvSpPr>
-          <p:cNvPr id="2" name="Title 1"/>
-          <p:cNvSpPr>
-            <a:spLocks noGrp="1"/>
-          </p:cNvSpPr>
-          <p:nvPr>
-            <p:ph type="title"/>
-          </p:nvPr>
-        </p:nvSpPr>
-        <p:spPr/>
-        <p:txBody>
-          <a:bodyPr/>
-          <a:lstStyle/>
-          <a:p>
-            <a:r>
-              <a:rPr lang="en-US" dirty="0" err="1" smtClean="0"/>
-              <a:t>Jupyter</a:t>
-            </a:r>
-            <a:r>
-              <a:rPr lang="en-US" dirty="0" smtClean="0"/>
-              <a:t> </a:t>
-            </a:r>
-            <a:r>
-              <a:rPr lang="en-US" dirty="0" err="1" smtClean="0"/>
-              <a:t>notebok</a:t>
-            </a:r>
-            <a:endParaRPr lang="en-US" dirty="0"/>
-          </a:p>
-        </p:txBody>
-      </p:sp>
-      <p:sp>
-        <p:nvSpPr>
-          <p:cNvPr id="3" name="Content Placeholder 2"/>
-          <p:cNvSpPr>
-            <a:spLocks noGrp="1"/>
-          </p:cNvSpPr>
-          <p:nvPr>
-            <p:ph idx="1"/>
-          </p:nvPr>
-        </p:nvSpPr>
-        <p:spPr/>
-        <p:txBody>
-          <a:bodyPr/>
-          <a:lstStyle/>
-          <a:p>
-            <a:r>
-              <a:rPr lang="en-US" dirty="0" smtClean="0"/>
-              <a:t>Install </a:t>
-            </a:r>
-            <a:r>
-              <a:rPr lang="en-US" dirty="0" err="1" smtClean="0"/>
-              <a:t>jupyter</a:t>
-            </a:r>
-            <a:r>
-              <a:rPr lang="en-US" dirty="0" smtClean="0"/>
-              <a:t> notebook on anaconda</a:t>
-            </a:r>
-          </a:p>
-          <a:p>
-            <a:r>
-              <a:rPr lang="en-US" dirty="0" smtClean="0"/>
-              <a:t>Start </a:t>
-            </a:r>
-            <a:r>
-              <a:rPr lang="en-US" dirty="0" err="1" smtClean="0"/>
-              <a:t>jupyter</a:t>
-            </a:r>
-            <a:r>
-              <a:rPr lang="en-US" dirty="0" smtClean="0"/>
-              <a:t> notebook server</a:t>
-            </a:r>
-            <a:endParaRPr lang="en-US" dirty="0"/>
-          </a:p>
-        </p:txBody>
-      </p:sp>
-    </p:spTree>
-    <p:extLst>
-      <p:ext uri="{BB962C8B-B14F-4D97-AF65-F5344CB8AC3E}">
-        <p14:creationId xmlns:p14="http://schemas.microsoft.com/office/powerpoint/2010/main" val="1292232771"/>
-      </p:ext>
-    </p:extLst>
-  </p:cSld>
-  <p:clrMapOvr>
-    <a:masterClrMapping/>
-  </p:clrMapOvr>
-</p:sld>
-</file>
-
-<file path=ppt/slides/slide40.xml><?xml version="1.0" encoding="utf-8"?>
+<file path=ppt/slides/slide43.xml><?xml version="1.0" encoding="utf-8"?>
 <p:sld xmlns:a="http://schemas.openxmlformats.org/drawingml/2006/main" xmlns:r="http://schemas.openxmlformats.org/officeDocument/2006/relationships" xmlns:p="http://schemas.openxmlformats.org/presentationml/2006/main">
   <p:cSld>
     <p:spTree>
@@ -7257,7 +7691,7 @@
 </p:sld>
 </file>
 
-<file path=ppt/slides/slide41.xml><?xml version="1.0" encoding="utf-8"?>
+<file path=ppt/slides/slide44.xml><?xml version="1.0" encoding="utf-8"?>
 <p:sld xmlns:a="http://schemas.openxmlformats.org/drawingml/2006/main" xmlns:r="http://schemas.openxmlformats.org/officeDocument/2006/relationships" xmlns:p="http://schemas.openxmlformats.org/presentationml/2006/main">
   <p:cSld>
     <p:spTree>
@@ -7364,7 +7798,7 @@
 </p:sld>
 </file>
 
-<file path=ppt/slides/slide42.xml><?xml version="1.0" encoding="utf-8"?>
+<file path=ppt/slides/slide45.xml><?xml version="1.0" encoding="utf-8"?>
 <p:sld xmlns:a="http://schemas.openxmlformats.org/drawingml/2006/main" xmlns:r="http://schemas.openxmlformats.org/officeDocument/2006/relationships" xmlns:p="http://schemas.openxmlformats.org/presentationml/2006/main">
   <p:cSld>
     <p:spTree>
@@ -7489,7 +7923,7 @@
 </p:sld>
 </file>
 
-<file path=ppt/slides/slide43.xml><?xml version="1.0" encoding="utf-8"?>
+<file path=ppt/slides/slide46.xml><?xml version="1.0" encoding="utf-8"?>
 <p:sld xmlns:a="http://schemas.openxmlformats.org/drawingml/2006/main" xmlns:r="http://schemas.openxmlformats.org/officeDocument/2006/relationships" xmlns:p="http://schemas.openxmlformats.org/presentationml/2006/main">
   <p:cSld>
     <p:spTree>
@@ -7615,7 +8049,7 @@
 </p:sld>
 </file>
 
-<file path=ppt/slides/slide44.xml><?xml version="1.0" encoding="utf-8"?>
+<file path=ppt/slides/slide47.xml><?xml version="1.0" encoding="utf-8"?>
 <p:sld xmlns:a="http://schemas.openxmlformats.org/drawingml/2006/main" xmlns:r="http://schemas.openxmlformats.org/officeDocument/2006/relationships" xmlns:p="http://schemas.openxmlformats.org/presentationml/2006/main">
   <p:cSld>
     <p:spTree>
@@ -7745,7 +8179,7 @@
 </p:sld>
 </file>
 
-<file path=ppt/slides/slide45.xml><?xml version="1.0" encoding="utf-8"?>
+<file path=ppt/slides/slide48.xml><?xml version="1.0" encoding="utf-8"?>
 <p:sld xmlns:a="http://schemas.openxmlformats.org/drawingml/2006/main" xmlns:r="http://schemas.openxmlformats.org/officeDocument/2006/relationships" xmlns:p="http://schemas.openxmlformats.org/presentationml/2006/main">
   <p:cSld>
     <p:spTree>
@@ -7875,7 +8309,7 @@
 </p:sld>
 </file>
 
-<file path=ppt/slides/slide46.xml><?xml version="1.0" encoding="utf-8"?>
+<file path=ppt/slides/slide49.xml><?xml version="1.0" encoding="utf-8"?>
 <p:sld xmlns:a="http://schemas.openxmlformats.org/drawingml/2006/main" xmlns:r="http://schemas.openxmlformats.org/officeDocument/2006/relationships" xmlns:p="http://schemas.openxmlformats.org/presentationml/2006/main">
   <p:cSld>
     <p:spTree>
@@ -8005,7 +8439,7 @@
 </p:sld>
 </file>
 
-<file path=ppt/slides/slide47.xml><?xml version="1.0" encoding="utf-8"?>
+<file path=ppt/slides/slide5.xml><?xml version="1.0" encoding="utf-8"?>
 <p:sld xmlns:a="http://schemas.openxmlformats.org/drawingml/2006/main" xmlns:r="http://schemas.openxmlformats.org/officeDocument/2006/relationships" xmlns:p="http://schemas.openxmlformats.org/presentationml/2006/main">
   <p:cSld>
     <p:spTree>
@@ -8039,6 +8473,82 @@
           <a:p>
             <a:r>
               <a:rPr lang="en-US" dirty="0" smtClean="0"/>
+              <a:t>Apply Deep </a:t>
+            </a:r>
+            <a:r>
+              <a:rPr lang="en-US" dirty="0" smtClean="0"/>
+              <a:t>Learning </a:t>
+            </a:r>
+            <a:endParaRPr lang="en-US" dirty="0"/>
+          </a:p>
+        </p:txBody>
+      </p:sp>
+      <p:sp>
+        <p:nvSpPr>
+          <p:cNvPr id="3" name="Content Placeholder 2"/>
+          <p:cNvSpPr>
+            <a:spLocks noGrp="1"/>
+          </p:cNvSpPr>
+          <p:nvPr>
+            <p:ph idx="1"/>
+          </p:nvPr>
+        </p:nvSpPr>
+        <p:spPr/>
+        <p:txBody>
+          <a:bodyPr/>
+          <a:lstStyle/>
+          <a:p>
+            <a:endParaRPr lang="en-US"/>
+          </a:p>
+        </p:txBody>
+      </p:sp>
+    </p:spTree>
+    <p:extLst>
+      <p:ext uri="{BB962C8B-B14F-4D97-AF65-F5344CB8AC3E}">
+        <p14:creationId xmlns:p14="http://schemas.microsoft.com/office/powerpoint/2010/main" val="2315800888"/>
+      </p:ext>
+    </p:extLst>
+  </p:cSld>
+  <p:clrMapOvr>
+    <a:masterClrMapping/>
+  </p:clrMapOvr>
+</p:sld>
+</file>
+
+<file path=ppt/slides/slide50.xml><?xml version="1.0" encoding="utf-8"?>
+<p:sld xmlns:a="http://schemas.openxmlformats.org/drawingml/2006/main" xmlns:r="http://schemas.openxmlformats.org/officeDocument/2006/relationships" xmlns:p="http://schemas.openxmlformats.org/presentationml/2006/main">
+  <p:cSld>
+    <p:spTree>
+      <p:nvGrpSpPr>
+        <p:cNvPr id="1" name=""/>
+        <p:cNvGrpSpPr/>
+        <p:nvPr/>
+      </p:nvGrpSpPr>
+      <p:grpSpPr>
+        <a:xfrm>
+          <a:off x="0" y="0"/>
+          <a:ext cx="0" cy="0"/>
+          <a:chOff x="0" y="0"/>
+          <a:chExt cx="0" cy="0"/>
+        </a:xfrm>
+      </p:grpSpPr>
+      <p:sp>
+        <p:nvSpPr>
+          <p:cNvPr id="2" name="Title 1"/>
+          <p:cNvSpPr>
+            <a:spLocks noGrp="1"/>
+          </p:cNvSpPr>
+          <p:nvPr>
+            <p:ph type="title"/>
+          </p:nvPr>
+        </p:nvSpPr>
+        <p:spPr/>
+        <p:txBody>
+          <a:bodyPr/>
+          <a:lstStyle/>
+          <a:p>
+            <a:r>
+              <a:rPr lang="en-US" dirty="0" smtClean="0"/>
               <a:t>Neural Network Architecture </a:t>
             </a:r>
             <a:endParaRPr lang="en-US" dirty="0"/>
@@ -8107,7 +8617,7 @@
 </p:sld>
 </file>
 
-<file path=ppt/slides/slide48.xml><?xml version="1.0" encoding="utf-8"?>
+<file path=ppt/slides/slide51.xml><?xml version="1.0" encoding="utf-8"?>
 <p:sld xmlns:a="http://schemas.openxmlformats.org/drawingml/2006/main" xmlns:r="http://schemas.openxmlformats.org/officeDocument/2006/relationships" xmlns:p="http://schemas.openxmlformats.org/presentationml/2006/main">
   <p:cSld>
     <p:spTree>
@@ -8233,7 +8743,7 @@
 </p:sld>
 </file>
 
-<file path=ppt/slides/slide49.xml><?xml version="1.0" encoding="utf-8"?>
+<file path=ppt/slides/slide52.xml><?xml version="1.0" encoding="utf-8"?>
 <p:sld xmlns:a="http://schemas.openxmlformats.org/drawingml/2006/main" xmlns:r="http://schemas.openxmlformats.org/officeDocument/2006/relationships" xmlns:p="http://schemas.openxmlformats.org/presentationml/2006/main">
   <p:cSld>
     <p:spTree>
@@ -8359,79 +8869,7 @@
 </p:sld>
 </file>
 
-<file path=ppt/slides/slide5.xml><?xml version="1.0" encoding="utf-8"?>
-<p:sld xmlns:a="http://schemas.openxmlformats.org/drawingml/2006/main" xmlns:r="http://schemas.openxmlformats.org/officeDocument/2006/relationships" xmlns:p="http://schemas.openxmlformats.org/presentationml/2006/main">
-  <p:cSld>
-    <p:spTree>
-      <p:nvGrpSpPr>
-        <p:cNvPr id="1" name=""/>
-        <p:cNvGrpSpPr/>
-        <p:nvPr/>
-      </p:nvGrpSpPr>
-      <p:grpSpPr>
-        <a:xfrm>
-          <a:off x="0" y="0"/>
-          <a:ext cx="0" cy="0"/>
-          <a:chOff x="0" y="0"/>
-          <a:chExt cx="0" cy="0"/>
-        </a:xfrm>
-      </p:grpSpPr>
-      <p:sp>
-        <p:nvSpPr>
-          <p:cNvPr id="2" name="Title 1"/>
-          <p:cNvSpPr>
-            <a:spLocks noGrp="1"/>
-          </p:cNvSpPr>
-          <p:nvPr>
-            <p:ph type="title"/>
-          </p:nvPr>
-        </p:nvSpPr>
-        <p:spPr/>
-        <p:txBody>
-          <a:bodyPr/>
-          <a:lstStyle/>
-          <a:p>
-            <a:r>
-              <a:rPr lang="en-US" dirty="0" smtClean="0"/>
-              <a:t>Neural Networks</a:t>
-            </a:r>
-            <a:endParaRPr lang="en-US" dirty="0"/>
-          </a:p>
-        </p:txBody>
-      </p:sp>
-      <p:sp>
-        <p:nvSpPr>
-          <p:cNvPr id="3" name="Content Placeholder 2"/>
-          <p:cNvSpPr>
-            <a:spLocks noGrp="1"/>
-          </p:cNvSpPr>
-          <p:nvPr>
-            <p:ph idx="1"/>
-          </p:nvPr>
-        </p:nvSpPr>
-        <p:spPr/>
-        <p:txBody>
-          <a:bodyPr/>
-          <a:lstStyle/>
-          <a:p>
-            <a:endParaRPr lang="en-US" dirty="0"/>
-          </a:p>
-        </p:txBody>
-      </p:sp>
-    </p:spTree>
-    <p:extLst>
-      <p:ext uri="{BB962C8B-B14F-4D97-AF65-F5344CB8AC3E}">
-        <p14:creationId xmlns:p14="http://schemas.microsoft.com/office/powerpoint/2010/main" val="317908443"/>
-      </p:ext>
-    </p:extLst>
-  </p:cSld>
-  <p:clrMapOvr>
-    <a:masterClrMapping/>
-  </p:clrMapOvr>
-</p:sld>
-</file>
-
-<file path=ppt/slides/slide50.xml><?xml version="1.0" encoding="utf-8"?>
+<file path=ppt/slides/slide53.xml><?xml version="1.0" encoding="utf-8"?>
 <p:sld xmlns:a="http://schemas.openxmlformats.org/drawingml/2006/main" xmlns:r="http://schemas.openxmlformats.org/officeDocument/2006/relationships" xmlns:p="http://schemas.openxmlformats.org/presentationml/2006/main">
   <p:cSld>
     <p:spTree>
@@ -8538,7 +8976,7 @@
 </p:sld>
 </file>
 
-<file path=ppt/slides/slide51.xml><?xml version="1.0" encoding="utf-8"?>
+<file path=ppt/slides/slide54.xml><?xml version="1.0" encoding="utf-8"?>
 <p:sld xmlns:a="http://schemas.openxmlformats.org/drawingml/2006/main" xmlns:r="http://schemas.openxmlformats.org/officeDocument/2006/relationships" xmlns:p="http://schemas.openxmlformats.org/presentationml/2006/main">
   <p:cSld>
     <p:spTree>
@@ -8647,7 +9085,7 @@
 </p:sld>
 </file>
 
-<file path=ppt/slides/slide52.xml><?xml version="1.0" encoding="utf-8"?>
+<file path=ppt/slides/slide55.xml><?xml version="1.0" encoding="utf-8"?>
 <p:sld xmlns:a="http://schemas.openxmlformats.org/drawingml/2006/main" xmlns:r="http://schemas.openxmlformats.org/officeDocument/2006/relationships" xmlns:p="http://schemas.openxmlformats.org/presentationml/2006/main">
   <p:cSld>
     <p:spTree>
@@ -8786,7 +9224,7 @@
 </p:sld>
 </file>
 
-<file path=ppt/slides/slide53.xml><?xml version="1.0" encoding="utf-8"?>
+<file path=ppt/slides/slide56.xml><?xml version="1.0" encoding="utf-8"?>
 <p:sld xmlns:a="http://schemas.openxmlformats.org/drawingml/2006/main" xmlns:r="http://schemas.openxmlformats.org/officeDocument/2006/relationships" xmlns:p="http://schemas.openxmlformats.org/presentationml/2006/main">
   <p:cSld>
     <p:spTree>
@@ -8885,7 +9323,7 @@
 </p:sld>
 </file>
 
-<file path=ppt/slides/slide54.xml><?xml version="1.0" encoding="utf-8"?>
+<file path=ppt/slides/slide57.xml><?xml version="1.0" encoding="utf-8"?>
 <p:sld xmlns:a="http://schemas.openxmlformats.org/drawingml/2006/main" xmlns:r="http://schemas.openxmlformats.org/officeDocument/2006/relationships" xmlns:p="http://schemas.openxmlformats.org/presentationml/2006/main">
   <p:cSld>
     <p:spTree>
@@ -8992,7 +9430,7 @@
 </p:sld>
 </file>
 
-<file path=ppt/slides/slide55.xml><?xml version="1.0" encoding="utf-8"?>
+<file path=ppt/slides/slide58.xml><?xml version="1.0" encoding="utf-8"?>
 <p:sld xmlns:a="http://schemas.openxmlformats.org/drawingml/2006/main" xmlns:r="http://schemas.openxmlformats.org/officeDocument/2006/relationships" xmlns:p="http://schemas.openxmlformats.org/presentationml/2006/main">
   <p:cSld>
     <p:spTree>
@@ -9121,7 +9559,7 @@
 </p:sld>
 </file>
 
-<file path=ppt/slides/slide56.xml><?xml version="1.0" encoding="utf-8"?>
+<file path=ppt/slides/slide59.xml><?xml version="1.0" encoding="utf-8"?>
 <p:sld xmlns:a="http://schemas.openxmlformats.org/drawingml/2006/main" xmlns:r="http://schemas.openxmlformats.org/officeDocument/2006/relationships" xmlns:p="http://schemas.openxmlformats.org/presentationml/2006/main">
   <p:cSld>
     <p:spTree>
@@ -9247,7 +9685,90 @@
 </p:sld>
 </file>
 
-<file path=ppt/slides/slide57.xml><?xml version="1.0" encoding="utf-8"?>
+<file path=ppt/slides/slide6.xml><?xml version="1.0" encoding="utf-8"?>
+<p:sld xmlns:a="http://schemas.openxmlformats.org/drawingml/2006/main" xmlns:r="http://schemas.openxmlformats.org/officeDocument/2006/relationships" xmlns:p="http://schemas.openxmlformats.org/presentationml/2006/main">
+  <p:cSld>
+    <p:spTree>
+      <p:nvGrpSpPr>
+        <p:cNvPr id="1" name=""/>
+        <p:cNvGrpSpPr/>
+        <p:nvPr/>
+      </p:nvGrpSpPr>
+      <p:grpSpPr>
+        <a:xfrm>
+          <a:off x="0" y="0"/>
+          <a:ext cx="0" cy="0"/>
+          <a:chOff x="0" y="0"/>
+          <a:chExt cx="0" cy="0"/>
+        </a:xfrm>
+      </p:grpSpPr>
+      <p:sp>
+        <p:nvSpPr>
+          <p:cNvPr id="2" name="Title 1"/>
+          <p:cNvSpPr>
+            <a:spLocks noGrp="1"/>
+          </p:cNvSpPr>
+          <p:nvPr>
+            <p:ph type="title"/>
+          </p:nvPr>
+        </p:nvSpPr>
+        <p:spPr/>
+        <p:txBody>
+          <a:bodyPr/>
+          <a:lstStyle/>
+          <a:p>
+            <a:r>
+              <a:rPr lang="en-US" dirty="0" smtClean="0"/>
+              <a:t>Anaconda</a:t>
+            </a:r>
+            <a:endParaRPr lang="en-US" dirty="0"/>
+          </a:p>
+        </p:txBody>
+      </p:sp>
+      <p:sp>
+        <p:nvSpPr>
+          <p:cNvPr id="3" name="Content Placeholder 2"/>
+          <p:cNvSpPr>
+            <a:spLocks noGrp="1"/>
+          </p:cNvSpPr>
+          <p:nvPr>
+            <p:ph idx="1"/>
+          </p:nvPr>
+        </p:nvSpPr>
+        <p:spPr/>
+        <p:txBody>
+          <a:bodyPr/>
+          <a:lstStyle/>
+          <a:p>
+            <a:r>
+              <a:rPr lang="en-US" i="1" dirty="0" smtClean="0"/>
+              <a:t>Install </a:t>
+            </a:r>
+            <a:r>
+              <a:rPr lang="en-US" i="1" dirty="0" err="1" smtClean="0"/>
+              <a:t>miniconda</a:t>
+            </a:r>
+            <a:endParaRPr lang="en-US" i="1" dirty="0" smtClean="0"/>
+          </a:p>
+          <a:p>
+            <a:endParaRPr lang="en-US" i="1" dirty="0"/>
+          </a:p>
+        </p:txBody>
+      </p:sp>
+    </p:spTree>
+    <p:extLst>
+      <p:ext uri="{BB962C8B-B14F-4D97-AF65-F5344CB8AC3E}">
+        <p14:creationId xmlns:p14="http://schemas.microsoft.com/office/powerpoint/2010/main" val="241262060"/>
+      </p:ext>
+    </p:extLst>
+  </p:cSld>
+  <p:clrMapOvr>
+    <a:masterClrMapping/>
+  </p:clrMapOvr>
+</p:sld>
+</file>
+
+<file path=ppt/slides/slide60.xml><?xml version="1.0" encoding="utf-8"?>
 <p:sld xmlns:a="http://schemas.openxmlformats.org/drawingml/2006/main" xmlns:r="http://schemas.openxmlformats.org/officeDocument/2006/relationships" xmlns:p="http://schemas.openxmlformats.org/presentationml/2006/main">
   <p:cSld>
     <p:spTree>
@@ -9378,7 +9899,7 @@
 </p:sld>
 </file>
 
-<file path=ppt/slides/slide58.xml><?xml version="1.0" encoding="utf-8"?>
+<file path=ppt/slides/slide61.xml><?xml version="1.0" encoding="utf-8"?>
 <p:sld xmlns:a="http://schemas.openxmlformats.org/drawingml/2006/main" xmlns:r="http://schemas.openxmlformats.org/officeDocument/2006/relationships" xmlns:p="http://schemas.openxmlformats.org/presentationml/2006/main">
   <p:cSld>
     <p:spTree>
@@ -9506,7 +10027,7 @@
 </p:sld>
 </file>
 
-<file path=ppt/slides/slide59.xml><?xml version="1.0" encoding="utf-8"?>
+<file path=ppt/slides/slide62.xml><?xml version="1.0" encoding="utf-8"?>
 <p:sld xmlns:a="http://schemas.openxmlformats.org/drawingml/2006/main" xmlns:r="http://schemas.openxmlformats.org/officeDocument/2006/relationships" xmlns:p="http://schemas.openxmlformats.org/presentationml/2006/main">
   <p:cSld>
     <p:spTree>
@@ -9539,12 +10060,8 @@
           <a:lstStyle/>
           <a:p>
             <a:r>
-              <a:rPr lang="en-US" dirty="0" err="1" smtClean="0"/>
-              <a:t>Backpropagtion</a:t>
-            </a:r>
-            <a:r>
-              <a:rPr lang="en-US" dirty="0" smtClean="0"/>
-              <a:t> </a:t>
+              <a:rPr lang="en-US" dirty="0" smtClean="0"/>
+              <a:t>Backpropagation </a:t>
             </a:r>
             <a:endParaRPr lang="en-US" dirty="0"/>
           </a:p>
@@ -9636,7 +10153,7 @@
 </p:sld>
 </file>
 
-<file path=ppt/slides/slide6.xml><?xml version="1.0" encoding="utf-8"?>
+<file path=ppt/slides/slide63.xml><?xml version="1.0" encoding="utf-8"?>
 <p:sld xmlns:a="http://schemas.openxmlformats.org/drawingml/2006/main" xmlns:r="http://schemas.openxmlformats.org/officeDocument/2006/relationships" xmlns:p="http://schemas.openxmlformats.org/presentationml/2006/main">
   <p:cSld>
     <p:spTree>
@@ -9670,45 +10187,55 @@
           <a:p>
             <a:r>
               <a:rPr lang="en-US" dirty="0" smtClean="0"/>
-              <a:t>Classification Problem</a:t>
+              <a:t>Backpropagation </a:t>
             </a:r>
             <a:endParaRPr lang="en-US" dirty="0"/>
           </a:p>
         </p:txBody>
       </p:sp>
-      <p:pic>
-        <p:nvPicPr>
-          <p:cNvPr id="4" name="Content Placeholder 3"/>
-          <p:cNvPicPr>
-            <a:picLocks noGrp="1" noChangeAspect="1"/>
-          </p:cNvPicPr>
+      <p:sp>
+        <p:nvSpPr>
+          <p:cNvPr id="3" name="Content Placeholder 2"/>
+          <p:cNvSpPr>
+            <a:spLocks noGrp="1"/>
+          </p:cNvSpPr>
           <p:nvPr>
             <p:ph idx="1"/>
           </p:nvPr>
-        </p:nvPicPr>
-        <p:blipFill>
-          <a:blip r:embed="rId2" cstate="print">
-            <a:extLst>
-              <a:ext uri="{28A0092B-C50C-407E-A947-70E740481C1C}">
-                <a14:useLocalDpi xmlns:a14="http://schemas.microsoft.com/office/drawing/2010/main" val="0"/>
-              </a:ext>
-            </a:extLst>
-          </a:blip>
-          <a:stretch>
-            <a:fillRect/>
-          </a:stretch>
-        </p:blipFill>
-        <p:spPr>
-          <a:xfrm>
-            <a:off x="457200" y="1616115"/>
-            <a:ext cx="8229600" cy="4494133"/>
-          </a:xfrm>
-        </p:spPr>
-      </p:pic>
+        </p:nvSpPr>
+        <p:spPr/>
+        <p:txBody>
+          <a:bodyPr/>
+          <a:lstStyle/>
+          <a:p>
+            <a:r>
+              <a:rPr lang="en-US" dirty="0" smtClean="0"/>
+              <a:t>Back propagation is just reverse of the feedforward </a:t>
+            </a:r>
+            <a:endParaRPr lang="en-US" dirty="0" smtClean="0"/>
+          </a:p>
+          <a:p>
+            <a:r>
+              <a:rPr lang="en-US" dirty="0" smtClean="0"/>
+              <a:t>Basic concept is to spread the error in to all the models in order to correct them</a:t>
+            </a:r>
+          </a:p>
+          <a:p>
+            <a:r>
+              <a:rPr lang="en-US" dirty="0" smtClean="0"/>
+              <a:t>And subsequently get a better model </a:t>
+            </a:r>
+            <a:endParaRPr lang="en-US" dirty="0" smtClean="0"/>
+          </a:p>
+          <a:p>
+            <a:endParaRPr lang="en-US" dirty="0"/>
+          </a:p>
+        </p:txBody>
+      </p:sp>
     </p:spTree>
     <p:extLst>
       <p:ext uri="{BB962C8B-B14F-4D97-AF65-F5344CB8AC3E}">
-        <p14:creationId xmlns:p14="http://schemas.microsoft.com/office/powerpoint/2010/main" val="4166575413"/>
+        <p14:creationId xmlns:p14="http://schemas.microsoft.com/office/powerpoint/2010/main" val="4226651825"/>
       </p:ext>
     </p:extLst>
   </p:cSld>
@@ -9718,7 +10245,7 @@
 </p:sld>
 </file>
 
-<file path=ppt/slides/slide60.xml><?xml version="1.0" encoding="utf-8"?>
+<file path=ppt/slides/slide64.xml><?xml version="1.0" encoding="utf-8"?>
 <p:sld xmlns:a="http://schemas.openxmlformats.org/drawingml/2006/main" xmlns:r="http://schemas.openxmlformats.org/officeDocument/2006/relationships" xmlns:p="http://schemas.openxmlformats.org/presentationml/2006/main">
   <p:cSld>
     <p:spTree>
@@ -9751,12 +10278,8 @@
           <a:lstStyle/>
           <a:p>
             <a:r>
-              <a:rPr lang="en-US" dirty="0" err="1" smtClean="0"/>
-              <a:t>Backpropagtion</a:t>
-            </a:r>
-            <a:r>
-              <a:rPr lang="en-US" dirty="0" smtClean="0"/>
-              <a:t> </a:t>
+              <a:rPr lang="en-US" dirty="0" smtClean="0"/>
+              <a:t>Math behind Backpropagation </a:t>
             </a:r>
             <a:endParaRPr lang="en-US" dirty="0"/>
           </a:p>
@@ -9777,360 +10300,17 @@
           <a:bodyPr/>
           <a:lstStyle/>
           <a:p>
-            <a:r>
-              <a:rPr lang="en-US" dirty="0" smtClean="0"/>
-              <a:t>Back propagation is just reverse of </a:t>
-            </a:r>
-            <a:r>
-              <a:rPr lang="en-US" smtClean="0"/>
-              <a:t>the feedforward </a:t>
-            </a:r>
-          </a:p>
-          <a:p>
-            <a:endParaRPr lang="en-US" dirty="0"/>
-          </a:p>
-        </p:txBody>
-      </p:sp>
-    </p:spTree>
-    <p:extLst>
-      <p:ext uri="{BB962C8B-B14F-4D97-AF65-F5344CB8AC3E}">
-        <p14:creationId xmlns:p14="http://schemas.microsoft.com/office/powerpoint/2010/main" val="4226651825"/>
-      </p:ext>
-    </p:extLst>
-  </p:cSld>
-  <p:clrMapOvr>
-    <a:masterClrMapping/>
-  </p:clrMapOvr>
-</p:sld>
-</file>
-
-<file path=ppt/slides/slide7.xml><?xml version="1.0" encoding="utf-8"?>
-<p:sld xmlns:a="http://schemas.openxmlformats.org/drawingml/2006/main" xmlns:r="http://schemas.openxmlformats.org/officeDocument/2006/relationships" xmlns:p="http://schemas.openxmlformats.org/presentationml/2006/main">
-  <p:cSld>
-    <p:spTree>
-      <p:nvGrpSpPr>
-        <p:cNvPr id="1" name=""/>
-        <p:cNvGrpSpPr/>
-        <p:nvPr/>
-      </p:nvGrpSpPr>
-      <p:grpSpPr>
-        <a:xfrm>
-          <a:off x="0" y="0"/>
-          <a:ext cx="0" cy="0"/>
-          <a:chOff x="0" y="0"/>
-          <a:chExt cx="0" cy="0"/>
-        </a:xfrm>
-      </p:grpSpPr>
-      <p:sp>
-        <p:nvSpPr>
-          <p:cNvPr id="2" name="Title 1"/>
-          <p:cNvSpPr>
-            <a:spLocks noGrp="1"/>
-          </p:cNvSpPr>
-          <p:nvPr>
-            <p:ph type="title"/>
-          </p:nvPr>
-        </p:nvSpPr>
-        <p:spPr/>
-        <p:txBody>
-          <a:bodyPr/>
-          <a:lstStyle/>
-          <a:p>
-            <a:r>
-              <a:rPr lang="en-US" dirty="0" smtClean="0"/>
-              <a:t>Linear Boundaries</a:t>
-            </a:r>
-            <a:endParaRPr lang="en-US" dirty="0"/>
-          </a:p>
-        </p:txBody>
-      </p:sp>
-      <p:sp>
-        <p:nvSpPr>
-          <p:cNvPr id="3" name="Content Placeholder 2"/>
-          <p:cNvSpPr>
-            <a:spLocks noGrp="1"/>
-          </p:cNvSpPr>
-          <p:nvPr>
-            <p:ph idx="1"/>
-          </p:nvPr>
-        </p:nvSpPr>
-        <p:spPr/>
-        <p:txBody>
-          <a:bodyPr/>
-          <a:lstStyle/>
-          <a:p>
-            <a:r>
-              <a:rPr lang="en-US" dirty="0" smtClean="0"/>
-              <a:t>w1x1+w2x2+b=0</a:t>
-            </a:r>
-          </a:p>
-          <a:p>
-            <a:r>
-              <a:rPr lang="en-US" dirty="0" err="1" smtClean="0"/>
-              <a:t>WX+b</a:t>
-            </a:r>
-            <a:r>
-              <a:rPr lang="en-US" dirty="0" smtClean="0"/>
-              <a:t>=0 </a:t>
-            </a:r>
-          </a:p>
-          <a:p>
-            <a:r>
-              <a:rPr lang="en-US" dirty="0" smtClean="0"/>
-              <a:t>W=[w1,w2]</a:t>
-            </a:r>
-          </a:p>
-          <a:p>
-            <a:r>
-              <a:rPr lang="en-US" dirty="0" smtClean="0"/>
-              <a:t>X=[x1,x2]</a:t>
-            </a:r>
-          </a:p>
-          <a:p>
-            <a:r>
-              <a:rPr lang="en-US" dirty="0" smtClean="0"/>
-              <a:t>Y = label 0 or 1</a:t>
-            </a:r>
-          </a:p>
-          <a:p>
-            <a:r>
-              <a:rPr lang="en-US" dirty="0" smtClean="0"/>
-              <a:t>If </a:t>
-            </a:r>
-            <a:r>
-              <a:rPr lang="en-US" dirty="0" err="1" smtClean="0"/>
-              <a:t>WX+b</a:t>
-            </a:r>
-            <a:r>
-              <a:rPr lang="en-US" dirty="0" smtClean="0"/>
-              <a:t>&gt;= 0 |y=1</a:t>
-            </a:r>
-          </a:p>
-          <a:p>
-            <a:r>
-              <a:rPr lang="en-US" dirty="0" smtClean="0"/>
-              <a:t>If </a:t>
-            </a:r>
-            <a:r>
-              <a:rPr lang="en-US" dirty="0" err="1" smtClean="0"/>
-              <a:t>WX+b</a:t>
-            </a:r>
-            <a:r>
-              <a:rPr lang="en-US" dirty="0" smtClean="0"/>
-              <a:t>&lt;0 |y=0</a:t>
-            </a:r>
-          </a:p>
-        </p:txBody>
-      </p:sp>
-    </p:spTree>
-    <p:extLst>
-      <p:ext uri="{BB962C8B-B14F-4D97-AF65-F5344CB8AC3E}">
-        <p14:creationId xmlns:p14="http://schemas.microsoft.com/office/powerpoint/2010/main" val="537500611"/>
-      </p:ext>
-    </p:extLst>
-  </p:cSld>
-  <p:clrMapOvr>
-    <a:masterClrMapping/>
-  </p:clrMapOvr>
-</p:sld>
-</file>
-
-<file path=ppt/slides/slide8.xml><?xml version="1.0" encoding="utf-8"?>
-<p:sld xmlns:a="http://schemas.openxmlformats.org/drawingml/2006/main" xmlns:r="http://schemas.openxmlformats.org/officeDocument/2006/relationships" xmlns:p="http://schemas.openxmlformats.org/presentationml/2006/main">
-  <p:cSld>
-    <p:spTree>
-      <p:nvGrpSpPr>
-        <p:cNvPr id="1" name=""/>
-        <p:cNvGrpSpPr/>
-        <p:nvPr/>
-      </p:nvGrpSpPr>
-      <p:grpSpPr>
-        <a:xfrm>
-          <a:off x="0" y="0"/>
-          <a:ext cx="0" cy="0"/>
-          <a:chOff x="0" y="0"/>
-          <a:chExt cx="0" cy="0"/>
-        </a:xfrm>
-      </p:grpSpPr>
-      <p:sp>
-        <p:nvSpPr>
-          <p:cNvPr id="2" name="Title 1"/>
-          <p:cNvSpPr>
-            <a:spLocks noGrp="1"/>
-          </p:cNvSpPr>
-          <p:nvPr>
-            <p:ph type="title"/>
-          </p:nvPr>
-        </p:nvSpPr>
-        <p:spPr/>
-        <p:txBody>
-          <a:bodyPr/>
-          <a:lstStyle/>
-          <a:p>
-            <a:r>
-              <a:rPr lang="en-US" dirty="0" smtClean="0"/>
-              <a:t>Higher Dimensions</a:t>
-            </a:r>
-            <a:endParaRPr lang="en-US" dirty="0"/>
-          </a:p>
-        </p:txBody>
-      </p:sp>
-      <p:sp>
-        <p:nvSpPr>
-          <p:cNvPr id="3" name="Content Placeholder 2"/>
-          <p:cNvSpPr>
-            <a:spLocks noGrp="1"/>
-          </p:cNvSpPr>
-          <p:nvPr>
-            <p:ph idx="1"/>
-          </p:nvPr>
-        </p:nvSpPr>
-        <p:spPr/>
-        <p:txBody>
-          <a:bodyPr>
-            <a:normAutofit lnSpcReduction="10000"/>
-          </a:bodyPr>
-          <a:lstStyle/>
-          <a:p>
-            <a:r>
-              <a:rPr lang="en-US" dirty="0" smtClean="0"/>
-              <a:t>If we have more columns more than one</a:t>
-            </a:r>
-          </a:p>
-          <a:p>
-            <a:r>
-              <a:rPr lang="en-US" dirty="0" smtClean="0"/>
-              <a:t>W1x1+w2x2+w3x3 +b =0</a:t>
-            </a:r>
-          </a:p>
-          <a:p>
-            <a:r>
-              <a:rPr lang="en-US" dirty="0" smtClean="0"/>
-              <a:t>WX +b = 0</a:t>
-            </a:r>
-          </a:p>
-          <a:p>
-            <a:r>
-              <a:rPr lang="en-US" dirty="0" smtClean="0"/>
-              <a:t>W=[w1,w2,w3]</a:t>
-            </a:r>
-          </a:p>
-          <a:p>
-            <a:r>
-              <a:rPr lang="en-US" dirty="0" smtClean="0"/>
-              <a:t>X=[x1,x2,x3]</a:t>
-            </a:r>
-          </a:p>
-          <a:p>
-            <a:r>
-              <a:rPr lang="en-US" dirty="0" smtClean="0"/>
-              <a:t>Y= 1| </a:t>
-            </a:r>
-            <a:r>
-              <a:rPr lang="en-US" dirty="0" err="1" smtClean="0"/>
-              <a:t>WX+b</a:t>
-            </a:r>
-            <a:r>
-              <a:rPr lang="en-US" dirty="0" smtClean="0"/>
-              <a:t>&gt;=0</a:t>
-            </a:r>
-          </a:p>
-          <a:p>
-            <a:r>
-              <a:rPr lang="en-US" dirty="0" smtClean="0"/>
-              <a:t>Y=0 | </a:t>
-            </a:r>
-            <a:r>
-              <a:rPr lang="en-US" dirty="0" err="1" smtClean="0"/>
-              <a:t>WX+b</a:t>
-            </a:r>
-            <a:r>
-              <a:rPr lang="en-US" dirty="0" smtClean="0"/>
-              <a:t>&lt;0</a:t>
-            </a:r>
-          </a:p>
-          <a:p>
-            <a:r>
-              <a:rPr lang="en-US" dirty="0" smtClean="0"/>
-              <a:t>There can be ‘n’ such </a:t>
-            </a:r>
-            <a:r>
-              <a:rPr lang="en-US" dirty="0" err="1" smtClean="0"/>
-              <a:t>dimentions</a:t>
-            </a:r>
-            <a:r>
-              <a:rPr lang="en-US" dirty="0" smtClean="0"/>
-              <a:t> </a:t>
-            </a:r>
-          </a:p>
-        </p:txBody>
-      </p:sp>
-    </p:spTree>
-    <p:extLst>
-      <p:ext uri="{BB962C8B-B14F-4D97-AF65-F5344CB8AC3E}">
-        <p14:creationId xmlns:p14="http://schemas.microsoft.com/office/powerpoint/2010/main" val="1438629694"/>
-      </p:ext>
-    </p:extLst>
-  </p:cSld>
-  <p:clrMapOvr>
-    <a:masterClrMapping/>
-  </p:clrMapOvr>
-</p:sld>
-</file>
-
-<file path=ppt/slides/slide9.xml><?xml version="1.0" encoding="utf-8"?>
-<p:sld xmlns:a="http://schemas.openxmlformats.org/drawingml/2006/main" xmlns:r="http://schemas.openxmlformats.org/officeDocument/2006/relationships" xmlns:p="http://schemas.openxmlformats.org/presentationml/2006/main">
-  <p:cSld>
-    <p:spTree>
-      <p:nvGrpSpPr>
-        <p:cNvPr id="1" name=""/>
-        <p:cNvGrpSpPr/>
-        <p:nvPr/>
-      </p:nvGrpSpPr>
-      <p:grpSpPr>
-        <a:xfrm>
-          <a:off x="0" y="0"/>
-          <a:ext cx="0" cy="0"/>
-          <a:chOff x="0" y="0"/>
-          <a:chExt cx="0" cy="0"/>
-        </a:xfrm>
-      </p:grpSpPr>
-      <p:sp>
-        <p:nvSpPr>
-          <p:cNvPr id="2" name="Title 1"/>
-          <p:cNvSpPr>
-            <a:spLocks noGrp="1"/>
-          </p:cNvSpPr>
-          <p:nvPr>
-            <p:ph type="title"/>
-          </p:nvPr>
-        </p:nvSpPr>
-        <p:spPr/>
-        <p:txBody>
-          <a:bodyPr/>
-          <a:lstStyle/>
-          <a:p>
-            <a:r>
-              <a:rPr lang="en-US" dirty="0" err="1" smtClean="0"/>
-              <a:t>Perceptrons</a:t>
-            </a:r>
-            <a:r>
-              <a:rPr lang="en-US" dirty="0" smtClean="0"/>
-              <a:t> </a:t>
-            </a:r>
             <a:endParaRPr lang="en-US" dirty="0"/>
           </a:p>
         </p:txBody>
       </p:sp>
       <p:pic>
         <p:nvPicPr>
-          <p:cNvPr id="2050" name="Picture 2"/>
+          <p:cNvPr id="1026" name="Picture 2"/>
           <p:cNvPicPr>
-            <a:picLocks noGrp="1" noChangeAspect="1" noChangeArrowheads="1"/>
+            <a:picLocks noChangeAspect="1" noChangeArrowheads="1"/>
           </p:cNvPicPr>
-          <p:nvPr>
-            <p:ph idx="1"/>
-          </p:nvPr>
+          <p:nvPr/>
         </p:nvPicPr>
         <p:blipFill>
           <a:blip r:embed="rId2">
@@ -10147,8 +10327,8 @@
         </p:blipFill>
         <p:spPr bwMode="auto">
           <a:xfrm>
-            <a:off x="833437" y="1772444"/>
-            <a:ext cx="5795963" cy="3241309"/>
+            <a:off x="314326" y="1367216"/>
+            <a:ext cx="8448674" cy="4804984"/>
           </a:xfrm>
           <a:prstGeom prst="rect">
             <a:avLst/>
@@ -10178,40 +10358,742 @@
           </a:extLst>
         </p:spPr>
       </p:pic>
-      <p:sp>
-        <p:nvSpPr>
-          <p:cNvPr id="4" name="TextBox 3"/>
-          <p:cNvSpPr txBox="1"/>
+    </p:spTree>
+    <p:extLst>
+      <p:ext uri="{BB962C8B-B14F-4D97-AF65-F5344CB8AC3E}">
+        <p14:creationId xmlns:p14="http://schemas.microsoft.com/office/powerpoint/2010/main" val="1551947367"/>
+      </p:ext>
+    </p:extLst>
+  </p:cSld>
+  <p:clrMapOvr>
+    <a:masterClrMapping/>
+  </p:clrMapOvr>
+</p:sld>
+</file>
+
+<file path=ppt/slides/slide65.xml><?xml version="1.0" encoding="utf-8"?>
+<p:sld xmlns:a="http://schemas.openxmlformats.org/drawingml/2006/main" xmlns:r="http://schemas.openxmlformats.org/officeDocument/2006/relationships" xmlns:p="http://schemas.openxmlformats.org/presentationml/2006/main">
+  <p:cSld>
+    <p:spTree>
+      <p:nvGrpSpPr>
+        <p:cNvPr id="1" name=""/>
+        <p:cNvGrpSpPr/>
+        <p:nvPr/>
+      </p:nvGrpSpPr>
+      <p:grpSpPr>
+        <a:xfrm>
+          <a:off x="0" y="0"/>
+          <a:ext cx="0" cy="0"/>
+          <a:chOff x="0" y="0"/>
+          <a:chExt cx="0" cy="0"/>
+        </a:xfrm>
+      </p:grpSpPr>
+      <p:sp>
+        <p:nvSpPr>
+          <p:cNvPr id="2" name="Title 1"/>
+          <p:cNvSpPr>
+            <a:spLocks noGrp="1"/>
+          </p:cNvSpPr>
+          <p:nvPr>
+            <p:ph type="title"/>
+          </p:nvPr>
+        </p:nvSpPr>
+        <p:spPr/>
+        <p:txBody>
+          <a:bodyPr/>
+          <a:lstStyle/>
+          <a:p>
+            <a:r>
+              <a:rPr lang="en-US" dirty="0" smtClean="0"/>
+              <a:t>Math behind Backpropagation </a:t>
+            </a:r>
+            <a:endParaRPr lang="en-US" dirty="0"/>
+          </a:p>
+        </p:txBody>
+      </p:sp>
+      <p:sp>
+        <p:nvSpPr>
+          <p:cNvPr id="3" name="Content Placeholder 2"/>
+          <p:cNvSpPr>
+            <a:spLocks noGrp="1"/>
+          </p:cNvSpPr>
+          <p:nvPr>
+            <p:ph idx="1"/>
+          </p:nvPr>
+        </p:nvSpPr>
+        <p:spPr/>
+        <p:txBody>
+          <a:bodyPr/>
+          <a:lstStyle/>
+          <a:p>
+            <a:endParaRPr lang="en-US" dirty="0"/>
+          </a:p>
+        </p:txBody>
+      </p:sp>
+      <p:pic>
+        <p:nvPicPr>
+          <p:cNvPr id="2050" name="Picture 2"/>
+          <p:cNvPicPr>
+            <a:picLocks noChangeAspect="1" noChangeArrowheads="1"/>
+          </p:cNvPicPr>
           <p:nvPr/>
-        </p:nvSpPr>
-        <p:spPr>
+        </p:nvPicPr>
+        <p:blipFill>
+          <a:blip r:embed="rId2">
+            <a:extLst>
+              <a:ext uri="{28A0092B-C50C-407E-A947-70E740481C1C}">
+                <a14:useLocalDpi xmlns:a14="http://schemas.microsoft.com/office/drawing/2010/main" val="0"/>
+              </a:ext>
+            </a:extLst>
+          </a:blip>
+          <a:srcRect/>
+          <a:stretch>
+            <a:fillRect/>
+          </a:stretch>
+        </p:blipFill>
+        <p:spPr bwMode="auto">
           <a:xfrm>
-            <a:off x="990600" y="1371600"/>
-            <a:ext cx="5334000" cy="381000"/>
+            <a:off x="123824" y="1321536"/>
+            <a:ext cx="8791576" cy="5003064"/>
           </a:xfrm>
           <a:prstGeom prst="rect">
             <a:avLst/>
           </a:prstGeom>
           <a:noFill/>
+          <a:ln>
+            <a:noFill/>
+          </a:ln>
+          <a:extLst>
+            <a:ext uri="{909E8E84-426E-40DD-AFC4-6F175D3DCCD1}">
+              <a14:hiddenFill xmlns:a14="http://schemas.microsoft.com/office/drawing/2010/main">
+                <a:solidFill>
+                  <a:schemeClr val="accent1"/>
+                </a:solidFill>
+              </a14:hiddenFill>
+            </a:ext>
+            <a:ext uri="{91240B29-F687-4F45-9708-019B960494DF}">
+              <a14:hiddenLine xmlns:a14="http://schemas.microsoft.com/office/drawing/2010/main" w="9525">
+                <a:solidFill>
+                  <a:schemeClr val="tx1"/>
+                </a:solidFill>
+                <a:miter lim="800000"/>
+                <a:headEnd/>
+                <a:tailEnd/>
+              </a14:hiddenLine>
+            </a:ext>
+          </a:extLst>
         </p:spPr>
-        <p:txBody>
-          <a:bodyPr wrap="square" rtlCol="0">
-            <a:spAutoFit/>
-          </a:bodyPr>
-          <a:lstStyle/>
-          <a:p>
-            <a:r>
-              <a:rPr lang="en-US" dirty="0" smtClean="0"/>
-              <a:t>Basic building block of NN</a:t>
-            </a:r>
-            <a:endParaRPr lang="en-US" dirty="0"/>
-          </a:p>
-        </p:txBody>
-      </p:sp>
+      </p:pic>
     </p:spTree>
     <p:extLst>
       <p:ext uri="{BB962C8B-B14F-4D97-AF65-F5344CB8AC3E}">
-        <p14:creationId xmlns:p14="http://schemas.microsoft.com/office/powerpoint/2010/main" val="9124212"/>
+        <p14:creationId xmlns:p14="http://schemas.microsoft.com/office/powerpoint/2010/main" val="1317913038"/>
+      </p:ext>
+    </p:extLst>
+  </p:cSld>
+  <p:clrMapOvr>
+    <a:masterClrMapping/>
+  </p:clrMapOvr>
+</p:sld>
+</file>
+
+<file path=ppt/slides/slide66.xml><?xml version="1.0" encoding="utf-8"?>
+<p:sld xmlns:a="http://schemas.openxmlformats.org/drawingml/2006/main" xmlns:r="http://schemas.openxmlformats.org/officeDocument/2006/relationships" xmlns:p="http://schemas.openxmlformats.org/presentationml/2006/main">
+  <p:cSld>
+    <p:spTree>
+      <p:nvGrpSpPr>
+        <p:cNvPr id="1" name=""/>
+        <p:cNvGrpSpPr/>
+        <p:nvPr/>
+      </p:nvGrpSpPr>
+      <p:grpSpPr>
+        <a:xfrm>
+          <a:off x="0" y="0"/>
+          <a:ext cx="0" cy="0"/>
+          <a:chOff x="0" y="0"/>
+          <a:chExt cx="0" cy="0"/>
+        </a:xfrm>
+      </p:grpSpPr>
+      <p:sp>
+        <p:nvSpPr>
+          <p:cNvPr id="2" name="Title 1"/>
+          <p:cNvSpPr>
+            <a:spLocks noGrp="1"/>
+          </p:cNvSpPr>
+          <p:nvPr>
+            <p:ph type="title"/>
+          </p:nvPr>
+        </p:nvSpPr>
+        <p:spPr/>
+        <p:txBody>
+          <a:bodyPr/>
+          <a:lstStyle/>
+          <a:p>
+            <a:r>
+              <a:rPr lang="en-US" dirty="0" smtClean="0"/>
+              <a:t>Derivative of the error function </a:t>
+            </a:r>
+            <a:endParaRPr lang="en-US" dirty="0"/>
+          </a:p>
+        </p:txBody>
+      </p:sp>
+      <p:sp>
+        <p:nvSpPr>
+          <p:cNvPr id="3" name="Content Placeholder 2"/>
+          <p:cNvSpPr>
+            <a:spLocks noGrp="1"/>
+          </p:cNvSpPr>
+          <p:nvPr>
+            <p:ph idx="1"/>
+          </p:nvPr>
+        </p:nvSpPr>
+        <p:spPr/>
+        <p:txBody>
+          <a:bodyPr/>
+          <a:lstStyle/>
+          <a:p>
+            <a:endParaRPr lang="en-US" dirty="0"/>
+          </a:p>
+        </p:txBody>
+      </p:sp>
+      <p:pic>
+        <p:nvPicPr>
+          <p:cNvPr id="3074" name="Picture 2"/>
+          <p:cNvPicPr>
+            <a:picLocks noChangeAspect="1" noChangeArrowheads="1"/>
+          </p:cNvPicPr>
+          <p:nvPr/>
+        </p:nvPicPr>
+        <p:blipFill>
+          <a:blip r:embed="rId2">
+            <a:extLst>
+              <a:ext uri="{28A0092B-C50C-407E-A947-70E740481C1C}">
+                <a14:useLocalDpi xmlns:a14="http://schemas.microsoft.com/office/drawing/2010/main" val="0"/>
+              </a:ext>
+            </a:extLst>
+          </a:blip>
+          <a:srcRect/>
+          <a:stretch>
+            <a:fillRect/>
+          </a:stretch>
+        </p:blipFill>
+        <p:spPr bwMode="auto">
+          <a:xfrm>
+            <a:off x="447674" y="1274464"/>
+            <a:ext cx="8391526" cy="4897736"/>
+          </a:xfrm>
+          <a:prstGeom prst="rect">
+            <a:avLst/>
+          </a:prstGeom>
+          <a:noFill/>
+          <a:ln>
+            <a:noFill/>
+          </a:ln>
+          <a:extLst>
+            <a:ext uri="{909E8E84-426E-40DD-AFC4-6F175D3DCCD1}">
+              <a14:hiddenFill xmlns:a14="http://schemas.microsoft.com/office/drawing/2010/main">
+                <a:solidFill>
+                  <a:schemeClr val="accent1"/>
+                </a:solidFill>
+              </a14:hiddenFill>
+            </a:ext>
+            <a:ext uri="{91240B29-F687-4F45-9708-019B960494DF}">
+              <a14:hiddenLine xmlns:a14="http://schemas.microsoft.com/office/drawing/2010/main" w="9525">
+                <a:solidFill>
+                  <a:schemeClr val="tx1"/>
+                </a:solidFill>
+                <a:miter lim="800000"/>
+                <a:headEnd/>
+                <a:tailEnd/>
+              </a14:hiddenLine>
+            </a:ext>
+          </a:extLst>
+        </p:spPr>
+      </p:pic>
+    </p:spTree>
+    <p:extLst>
+      <p:ext uri="{BB962C8B-B14F-4D97-AF65-F5344CB8AC3E}">
+        <p14:creationId xmlns:p14="http://schemas.microsoft.com/office/powerpoint/2010/main" val="1981594224"/>
+      </p:ext>
+    </p:extLst>
+  </p:cSld>
+  <p:clrMapOvr>
+    <a:masterClrMapping/>
+  </p:clrMapOvr>
+</p:sld>
+</file>
+
+<file path=ppt/slides/slide67.xml><?xml version="1.0" encoding="utf-8"?>
+<p:sld xmlns:a="http://schemas.openxmlformats.org/drawingml/2006/main" xmlns:r="http://schemas.openxmlformats.org/officeDocument/2006/relationships" xmlns:p="http://schemas.openxmlformats.org/presentationml/2006/main">
+  <p:cSld>
+    <p:spTree>
+      <p:nvGrpSpPr>
+        <p:cNvPr id="1" name=""/>
+        <p:cNvGrpSpPr/>
+        <p:nvPr/>
+      </p:nvGrpSpPr>
+      <p:grpSpPr>
+        <a:xfrm>
+          <a:off x="0" y="0"/>
+          <a:ext cx="0" cy="0"/>
+          <a:chOff x="0" y="0"/>
+          <a:chExt cx="0" cy="0"/>
+        </a:xfrm>
+      </p:grpSpPr>
+      <p:sp>
+        <p:nvSpPr>
+          <p:cNvPr id="2" name="Title 1"/>
+          <p:cNvSpPr>
+            <a:spLocks noGrp="1"/>
+          </p:cNvSpPr>
+          <p:nvPr>
+            <p:ph type="title"/>
+          </p:nvPr>
+        </p:nvSpPr>
+        <p:spPr/>
+        <p:txBody>
+          <a:bodyPr/>
+          <a:lstStyle/>
+          <a:p>
+            <a:r>
+              <a:rPr lang="en-US" dirty="0" smtClean="0"/>
+              <a:t>Derivative of the error function </a:t>
+            </a:r>
+            <a:endParaRPr lang="en-US" dirty="0"/>
+          </a:p>
+        </p:txBody>
+      </p:sp>
+      <p:sp>
+        <p:nvSpPr>
+          <p:cNvPr id="3" name="Content Placeholder 2"/>
+          <p:cNvSpPr>
+            <a:spLocks noGrp="1"/>
+          </p:cNvSpPr>
+          <p:nvPr>
+            <p:ph idx="1"/>
+          </p:nvPr>
+        </p:nvSpPr>
+        <p:spPr/>
+        <p:txBody>
+          <a:bodyPr/>
+          <a:lstStyle/>
+          <a:p>
+            <a:endParaRPr lang="en-US" dirty="0"/>
+          </a:p>
+        </p:txBody>
+      </p:sp>
+      <p:pic>
+        <p:nvPicPr>
+          <p:cNvPr id="4099" name="Picture 3"/>
+          <p:cNvPicPr>
+            <a:picLocks noChangeAspect="1" noChangeArrowheads="1"/>
+          </p:cNvPicPr>
+          <p:nvPr/>
+        </p:nvPicPr>
+        <p:blipFill>
+          <a:blip r:embed="rId2">
+            <a:extLst>
+              <a:ext uri="{28A0092B-C50C-407E-A947-70E740481C1C}">
+                <a14:useLocalDpi xmlns:a14="http://schemas.microsoft.com/office/drawing/2010/main" val="0"/>
+              </a:ext>
+            </a:extLst>
+          </a:blip>
+          <a:srcRect/>
+          <a:stretch>
+            <a:fillRect/>
+          </a:stretch>
+        </p:blipFill>
+        <p:spPr bwMode="auto">
+          <a:xfrm>
+            <a:off x="228600" y="1438274"/>
+            <a:ext cx="8564204" cy="4886326"/>
+          </a:xfrm>
+          <a:prstGeom prst="rect">
+            <a:avLst/>
+          </a:prstGeom>
+          <a:noFill/>
+          <a:ln>
+            <a:noFill/>
+          </a:ln>
+          <a:extLst>
+            <a:ext uri="{909E8E84-426E-40DD-AFC4-6F175D3DCCD1}">
+              <a14:hiddenFill xmlns:a14="http://schemas.microsoft.com/office/drawing/2010/main">
+                <a:solidFill>
+                  <a:schemeClr val="accent1"/>
+                </a:solidFill>
+              </a14:hiddenFill>
+            </a:ext>
+            <a:ext uri="{91240B29-F687-4F45-9708-019B960494DF}">
+              <a14:hiddenLine xmlns:a14="http://schemas.microsoft.com/office/drawing/2010/main" w="9525">
+                <a:solidFill>
+                  <a:schemeClr val="tx1"/>
+                </a:solidFill>
+                <a:miter lim="800000"/>
+                <a:headEnd/>
+                <a:tailEnd/>
+              </a14:hiddenLine>
+            </a:ext>
+          </a:extLst>
+        </p:spPr>
+      </p:pic>
+    </p:spTree>
+    <p:extLst>
+      <p:ext uri="{BB962C8B-B14F-4D97-AF65-F5344CB8AC3E}">
+        <p14:creationId xmlns:p14="http://schemas.microsoft.com/office/powerpoint/2010/main" val="1062277234"/>
+      </p:ext>
+    </p:extLst>
+  </p:cSld>
+  <p:clrMapOvr>
+    <a:masterClrMapping/>
+  </p:clrMapOvr>
+</p:sld>
+</file>
+
+<file path=ppt/slides/slide68.xml><?xml version="1.0" encoding="utf-8"?>
+<p:sld xmlns:a="http://schemas.openxmlformats.org/drawingml/2006/main" xmlns:r="http://schemas.openxmlformats.org/officeDocument/2006/relationships" xmlns:p="http://schemas.openxmlformats.org/presentationml/2006/main">
+  <p:cSld>
+    <p:spTree>
+      <p:nvGrpSpPr>
+        <p:cNvPr id="1" name=""/>
+        <p:cNvGrpSpPr/>
+        <p:nvPr/>
+      </p:nvGrpSpPr>
+      <p:grpSpPr>
+        <a:xfrm>
+          <a:off x="0" y="0"/>
+          <a:ext cx="0" cy="0"/>
+          <a:chOff x="0" y="0"/>
+          <a:chExt cx="0" cy="0"/>
+        </a:xfrm>
+      </p:grpSpPr>
+      <p:sp>
+        <p:nvSpPr>
+          <p:cNvPr id="2" name="Title 1"/>
+          <p:cNvSpPr>
+            <a:spLocks noGrp="1"/>
+          </p:cNvSpPr>
+          <p:nvPr>
+            <p:ph type="title"/>
+          </p:nvPr>
+        </p:nvSpPr>
+        <p:spPr/>
+        <p:txBody>
+          <a:bodyPr/>
+          <a:lstStyle/>
+          <a:p>
+            <a:r>
+              <a:rPr lang="en-US" dirty="0" smtClean="0"/>
+              <a:t>Derivative of sigmoid function </a:t>
+            </a:r>
+            <a:endParaRPr lang="en-US" dirty="0"/>
+          </a:p>
+        </p:txBody>
+      </p:sp>
+      <p:pic>
+        <p:nvPicPr>
+          <p:cNvPr id="5122" name="Picture 2" descr="https://d17h27t6h515a5.cloudfront.net/topher/2017/September/59b6ffad_sigmoid-derivative/sigmoid-derivative.gif"/>
+          <p:cNvPicPr>
+            <a:picLocks noChangeAspect="1" noChangeArrowheads="1"/>
+          </p:cNvPicPr>
+          <p:nvPr/>
+        </p:nvPicPr>
+        <p:blipFill>
+          <a:blip r:embed="rId2">
+            <a:extLst>
+              <a:ext uri="{28A0092B-C50C-407E-A947-70E740481C1C}">
+                <a14:useLocalDpi xmlns:a14="http://schemas.microsoft.com/office/drawing/2010/main" val="0"/>
+              </a:ext>
+            </a:extLst>
+          </a:blip>
+          <a:srcRect/>
+          <a:stretch>
+            <a:fillRect/>
+          </a:stretch>
+        </p:blipFill>
+        <p:spPr bwMode="auto">
+          <a:xfrm>
+            <a:off x="1143000" y="1981200"/>
+            <a:ext cx="6789800" cy="3381376"/>
+          </a:xfrm>
+          <a:prstGeom prst="rect">
+            <a:avLst/>
+          </a:prstGeom>
+          <a:noFill/>
+          <a:extLst>
+            <a:ext uri="{909E8E84-426E-40DD-AFC4-6F175D3DCCD1}">
+              <a14:hiddenFill xmlns:a14="http://schemas.microsoft.com/office/drawing/2010/main">
+                <a:solidFill>
+                  <a:srgbClr val="FFFFFF"/>
+                </a:solidFill>
+              </a14:hiddenFill>
+            </a:ext>
+          </a:extLst>
+        </p:spPr>
+      </p:pic>
+    </p:spTree>
+    <p:extLst>
+      <p:ext uri="{BB962C8B-B14F-4D97-AF65-F5344CB8AC3E}">
+        <p14:creationId xmlns:p14="http://schemas.microsoft.com/office/powerpoint/2010/main" val="3763515230"/>
+      </p:ext>
+    </p:extLst>
+  </p:cSld>
+  <p:clrMapOvr>
+    <a:masterClrMapping/>
+  </p:clrMapOvr>
+</p:sld>
+</file>
+
+<file path=ppt/slides/slide7.xml><?xml version="1.0" encoding="utf-8"?>
+<p:sld xmlns:a="http://schemas.openxmlformats.org/drawingml/2006/main" xmlns:r="http://schemas.openxmlformats.org/officeDocument/2006/relationships" xmlns:p="http://schemas.openxmlformats.org/presentationml/2006/main">
+  <p:cSld>
+    <p:spTree>
+      <p:nvGrpSpPr>
+        <p:cNvPr id="1" name=""/>
+        <p:cNvGrpSpPr/>
+        <p:nvPr/>
+      </p:nvGrpSpPr>
+      <p:grpSpPr>
+        <a:xfrm>
+          <a:off x="0" y="0"/>
+          <a:ext cx="0" cy="0"/>
+          <a:chOff x="0" y="0"/>
+          <a:chExt cx="0" cy="0"/>
+        </a:xfrm>
+      </p:grpSpPr>
+      <p:sp>
+        <p:nvSpPr>
+          <p:cNvPr id="2" name="Title 1"/>
+          <p:cNvSpPr>
+            <a:spLocks noGrp="1"/>
+          </p:cNvSpPr>
+          <p:nvPr>
+            <p:ph type="title"/>
+          </p:nvPr>
+        </p:nvSpPr>
+        <p:spPr/>
+        <p:txBody>
+          <a:bodyPr/>
+          <a:lstStyle/>
+          <a:p>
+            <a:r>
+              <a:rPr lang="en-US" dirty="0" err="1" smtClean="0"/>
+              <a:t>Jupyter</a:t>
+            </a:r>
+            <a:r>
+              <a:rPr lang="en-US" dirty="0" smtClean="0"/>
+              <a:t> </a:t>
+            </a:r>
+            <a:r>
+              <a:rPr lang="en-US" dirty="0" err="1" smtClean="0"/>
+              <a:t>notebok</a:t>
+            </a:r>
+            <a:endParaRPr lang="en-US" dirty="0"/>
+          </a:p>
+        </p:txBody>
+      </p:sp>
+      <p:sp>
+        <p:nvSpPr>
+          <p:cNvPr id="3" name="Content Placeholder 2"/>
+          <p:cNvSpPr>
+            <a:spLocks noGrp="1"/>
+          </p:cNvSpPr>
+          <p:nvPr>
+            <p:ph idx="1"/>
+          </p:nvPr>
+        </p:nvSpPr>
+        <p:spPr/>
+        <p:txBody>
+          <a:bodyPr/>
+          <a:lstStyle/>
+          <a:p>
+            <a:r>
+              <a:rPr lang="en-US" dirty="0" smtClean="0"/>
+              <a:t>Install </a:t>
+            </a:r>
+            <a:r>
+              <a:rPr lang="en-US" dirty="0" err="1" smtClean="0"/>
+              <a:t>jupyter</a:t>
+            </a:r>
+            <a:r>
+              <a:rPr lang="en-US" dirty="0" smtClean="0"/>
+              <a:t> notebook on anaconda</a:t>
+            </a:r>
+          </a:p>
+          <a:p>
+            <a:r>
+              <a:rPr lang="en-US" dirty="0" smtClean="0"/>
+              <a:t>Start </a:t>
+            </a:r>
+            <a:r>
+              <a:rPr lang="en-US" dirty="0" err="1" smtClean="0"/>
+              <a:t>jupyter</a:t>
+            </a:r>
+            <a:r>
+              <a:rPr lang="en-US" dirty="0" smtClean="0"/>
+              <a:t> notebook server</a:t>
+            </a:r>
+            <a:endParaRPr lang="en-US" dirty="0"/>
+          </a:p>
+        </p:txBody>
+      </p:sp>
+    </p:spTree>
+    <p:extLst>
+      <p:ext uri="{BB962C8B-B14F-4D97-AF65-F5344CB8AC3E}">
+        <p14:creationId xmlns:p14="http://schemas.microsoft.com/office/powerpoint/2010/main" val="1292232771"/>
+      </p:ext>
+    </p:extLst>
+  </p:cSld>
+  <p:clrMapOvr>
+    <a:masterClrMapping/>
+  </p:clrMapOvr>
+</p:sld>
+</file>
+
+<file path=ppt/slides/slide8.xml><?xml version="1.0" encoding="utf-8"?>
+<p:sld xmlns:a="http://schemas.openxmlformats.org/drawingml/2006/main" xmlns:r="http://schemas.openxmlformats.org/officeDocument/2006/relationships" xmlns:p="http://schemas.openxmlformats.org/presentationml/2006/main">
+  <p:cSld>
+    <p:spTree>
+      <p:nvGrpSpPr>
+        <p:cNvPr id="1" name=""/>
+        <p:cNvGrpSpPr/>
+        <p:nvPr/>
+      </p:nvGrpSpPr>
+      <p:grpSpPr>
+        <a:xfrm>
+          <a:off x="0" y="0"/>
+          <a:ext cx="0" cy="0"/>
+          <a:chOff x="0" y="0"/>
+          <a:chExt cx="0" cy="0"/>
+        </a:xfrm>
+      </p:grpSpPr>
+      <p:sp>
+        <p:nvSpPr>
+          <p:cNvPr id="2" name="Title 1"/>
+          <p:cNvSpPr>
+            <a:spLocks noGrp="1"/>
+          </p:cNvSpPr>
+          <p:nvPr>
+            <p:ph type="title"/>
+          </p:nvPr>
+        </p:nvSpPr>
+        <p:spPr/>
+        <p:txBody>
+          <a:bodyPr/>
+          <a:lstStyle/>
+          <a:p>
+            <a:r>
+              <a:rPr lang="en-US" dirty="0" smtClean="0"/>
+              <a:t>Neural Networks</a:t>
+            </a:r>
+            <a:endParaRPr lang="en-US" dirty="0"/>
+          </a:p>
+        </p:txBody>
+      </p:sp>
+      <p:sp>
+        <p:nvSpPr>
+          <p:cNvPr id="3" name="Content Placeholder 2"/>
+          <p:cNvSpPr>
+            <a:spLocks noGrp="1"/>
+          </p:cNvSpPr>
+          <p:nvPr>
+            <p:ph idx="1"/>
+          </p:nvPr>
+        </p:nvSpPr>
+        <p:spPr/>
+        <p:txBody>
+          <a:bodyPr/>
+          <a:lstStyle/>
+          <a:p>
+            <a:endParaRPr lang="en-US" dirty="0"/>
+          </a:p>
+        </p:txBody>
+      </p:sp>
+    </p:spTree>
+    <p:extLst>
+      <p:ext uri="{BB962C8B-B14F-4D97-AF65-F5344CB8AC3E}">
+        <p14:creationId xmlns:p14="http://schemas.microsoft.com/office/powerpoint/2010/main" val="317908443"/>
+      </p:ext>
+    </p:extLst>
+  </p:cSld>
+  <p:clrMapOvr>
+    <a:masterClrMapping/>
+  </p:clrMapOvr>
+</p:sld>
+</file>
+
+<file path=ppt/slides/slide9.xml><?xml version="1.0" encoding="utf-8"?>
+<p:sld xmlns:a="http://schemas.openxmlformats.org/drawingml/2006/main" xmlns:r="http://schemas.openxmlformats.org/officeDocument/2006/relationships" xmlns:p="http://schemas.openxmlformats.org/presentationml/2006/main">
+  <p:cSld>
+    <p:spTree>
+      <p:nvGrpSpPr>
+        <p:cNvPr id="1" name=""/>
+        <p:cNvGrpSpPr/>
+        <p:nvPr/>
+      </p:nvGrpSpPr>
+      <p:grpSpPr>
+        <a:xfrm>
+          <a:off x="0" y="0"/>
+          <a:ext cx="0" cy="0"/>
+          <a:chOff x="0" y="0"/>
+          <a:chExt cx="0" cy="0"/>
+        </a:xfrm>
+      </p:grpSpPr>
+      <p:sp>
+        <p:nvSpPr>
+          <p:cNvPr id="2" name="Title 1"/>
+          <p:cNvSpPr>
+            <a:spLocks noGrp="1"/>
+          </p:cNvSpPr>
+          <p:nvPr>
+            <p:ph type="title"/>
+          </p:nvPr>
+        </p:nvSpPr>
+        <p:spPr/>
+        <p:txBody>
+          <a:bodyPr/>
+          <a:lstStyle/>
+          <a:p>
+            <a:r>
+              <a:rPr lang="en-US" dirty="0" smtClean="0"/>
+              <a:t>Classification Problem</a:t>
+            </a:r>
+            <a:endParaRPr lang="en-US" dirty="0"/>
+          </a:p>
+        </p:txBody>
+      </p:sp>
+      <p:pic>
+        <p:nvPicPr>
+          <p:cNvPr id="4" name="Content Placeholder 3"/>
+          <p:cNvPicPr>
+            <a:picLocks noGrp="1" noChangeAspect="1"/>
+          </p:cNvPicPr>
+          <p:nvPr>
+            <p:ph idx="1"/>
+          </p:nvPr>
+        </p:nvPicPr>
+        <p:blipFill>
+          <a:blip r:embed="rId2" cstate="print">
+            <a:extLst>
+              <a:ext uri="{28A0092B-C50C-407E-A947-70E740481C1C}">
+                <a14:useLocalDpi xmlns:a14="http://schemas.microsoft.com/office/drawing/2010/main" val="0"/>
+              </a:ext>
+            </a:extLst>
+          </a:blip>
+          <a:stretch>
+            <a:fillRect/>
+          </a:stretch>
+        </p:blipFill>
+        <p:spPr>
+          <a:xfrm>
+            <a:off x="457200" y="1616115"/>
+            <a:ext cx="8229600" cy="4494133"/>
+          </a:xfrm>
+        </p:spPr>
+      </p:pic>
+    </p:spTree>
+    <p:extLst>
+      <p:ext uri="{BB962C8B-B14F-4D97-AF65-F5344CB8AC3E}">
+        <p14:creationId xmlns:p14="http://schemas.microsoft.com/office/powerpoint/2010/main" val="4166575413"/>
       </p:ext>
     </p:extLst>
   </p:cSld>
